--- a/diabetes_readmission/CP1_deck.pptx
+++ b/diabetes_readmission/CP1_deck.pptx
@@ -18,7 +18,18 @@
     <p:sldId id="283" r:id="rId12"/>
     <p:sldId id="284" r:id="rId13"/>
     <p:sldId id="280" r:id="rId14"/>
-    <p:sldId id="282" r:id="rId15"/>
+    <p:sldId id="285" r:id="rId15"/>
+    <p:sldId id="286" r:id="rId16"/>
+    <p:sldId id="287" r:id="rId17"/>
+    <p:sldId id="282" r:id="rId18"/>
+    <p:sldId id="290" r:id="rId19"/>
+    <p:sldId id="291" r:id="rId20"/>
+    <p:sldId id="294" r:id="rId21"/>
+    <p:sldId id="292" r:id="rId22"/>
+    <p:sldId id="293" r:id="rId23"/>
+    <p:sldId id="297" r:id="rId24"/>
+    <p:sldId id="298" r:id="rId25"/>
+    <p:sldId id="299" r:id="rId26"/>
   </p:sldIdLst>
   <p:sldSz cx="9144000" cy="6858000" type="screen4x3"/>
   <p:notesSz cx="6858000" cy="9144000"/>
@@ -179,7 +190,7 @@
           <a:lstStyle/>
           <a:p>
             <a:pPr algn="ctr"/>
-            <a:endParaRPr lang="en-US"/>
+            <a:endParaRPr lang="en-US" dirty="0"/>
           </a:p>
         </p:txBody>
       </p:sp>
@@ -388,7 +399,7 @@
           <a:lstStyle/>
           <a:p>
             <a:pPr algn="ctr"/>
-            <a:endParaRPr lang="en-US"/>
+            <a:endParaRPr lang="en-US" dirty="0"/>
           </a:p>
         </p:txBody>
       </p:sp>
@@ -591,7 +602,7 @@
               <a:pPr/>
               <a:t>September 29, 2017</a:t>
             </a:fld>
-            <a:endParaRPr lang="en-US"/>
+            <a:endParaRPr lang="en-US" dirty="0"/>
           </a:p>
         </p:txBody>
       </p:sp>
@@ -610,7 +621,7 @@
           <a:bodyPr/>
           <a:lstStyle/>
           <a:p>
-            <a:endParaRPr lang="en-US"/>
+            <a:endParaRPr lang="en-US" dirty="0"/>
           </a:p>
         </p:txBody>
       </p:sp>
@@ -634,7 +645,7 @@
               <a:pPr/>
               <a:t>‹#›</a:t>
             </a:fld>
-            <a:endParaRPr lang="en-US"/>
+            <a:endParaRPr lang="en-US" dirty="0"/>
           </a:p>
         </p:txBody>
       </p:sp>
@@ -758,7 +769,7 @@
               <a:pPr/>
               <a:t>September 29, 2017</a:t>
             </a:fld>
-            <a:endParaRPr lang="en-US"/>
+            <a:endParaRPr lang="en-US" dirty="0"/>
           </a:p>
         </p:txBody>
       </p:sp>
@@ -777,7 +788,7 @@
           <a:bodyPr/>
           <a:lstStyle/>
           <a:p>
-            <a:endParaRPr lang="en-US"/>
+            <a:endParaRPr lang="en-US" dirty="0"/>
           </a:p>
         </p:txBody>
       </p:sp>
@@ -801,7 +812,7 @@
               <a:pPr/>
               <a:t>‹#›</a:t>
             </a:fld>
-            <a:endParaRPr lang="en-US"/>
+            <a:endParaRPr lang="en-US" dirty="0"/>
           </a:p>
         </p:txBody>
       </p:sp>
@@ -935,7 +946,7 @@
               <a:pPr/>
               <a:t>September 29, 2017</a:t>
             </a:fld>
-            <a:endParaRPr lang="en-US"/>
+            <a:endParaRPr lang="en-US" dirty="0"/>
           </a:p>
         </p:txBody>
       </p:sp>
@@ -954,7 +965,7 @@
           <a:bodyPr/>
           <a:lstStyle/>
           <a:p>
-            <a:endParaRPr lang="en-US"/>
+            <a:endParaRPr lang="en-US" dirty="0"/>
           </a:p>
         </p:txBody>
       </p:sp>
@@ -978,7 +989,7 @@
               <a:pPr/>
               <a:t>‹#›</a:t>
             </a:fld>
-            <a:endParaRPr lang="en-US"/>
+            <a:endParaRPr lang="en-US" dirty="0"/>
           </a:p>
         </p:txBody>
       </p:sp>
@@ -1102,7 +1113,7 @@
               <a:pPr/>
               <a:t>September 29, 2017</a:t>
             </a:fld>
-            <a:endParaRPr lang="en-US"/>
+            <a:endParaRPr lang="en-US" dirty="0"/>
           </a:p>
         </p:txBody>
       </p:sp>
@@ -1121,7 +1132,7 @@
           <a:bodyPr/>
           <a:lstStyle/>
           <a:p>
-            <a:endParaRPr lang="en-US"/>
+            <a:endParaRPr lang="en-US" dirty="0"/>
           </a:p>
         </p:txBody>
       </p:sp>
@@ -1145,7 +1156,7 @@
               <a:pPr/>
               <a:t>‹#›</a:t>
             </a:fld>
-            <a:endParaRPr lang="en-US"/>
+            <a:endParaRPr lang="en-US" dirty="0"/>
           </a:p>
         </p:txBody>
       </p:sp>
@@ -1377,7 +1388,7 @@
           <a:lstStyle/>
           <a:p>
             <a:pPr algn="ctr"/>
-            <a:endParaRPr lang="en-US"/>
+            <a:endParaRPr lang="en-US" dirty="0"/>
           </a:p>
         </p:txBody>
       </p:sp>
@@ -1425,7 +1436,7 @@
           <a:lstStyle/>
           <a:p>
             <a:pPr algn="ctr"/>
-            <a:endParaRPr lang="en-US"/>
+            <a:endParaRPr lang="en-US" dirty="0"/>
           </a:p>
         </p:txBody>
       </p:sp>
@@ -1657,7 +1668,7 @@
               <a:pPr/>
               <a:t>September 29, 2017</a:t>
             </a:fld>
-            <a:endParaRPr lang="en-US"/>
+            <a:endParaRPr lang="en-US" dirty="0"/>
           </a:p>
         </p:txBody>
       </p:sp>
@@ -1676,7 +1687,7 @@
           <a:bodyPr/>
           <a:lstStyle/>
           <a:p>
-            <a:endParaRPr lang="en-US"/>
+            <a:endParaRPr lang="en-US" dirty="0"/>
           </a:p>
         </p:txBody>
       </p:sp>
@@ -1700,7 +1711,7 @@
               <a:pPr/>
               <a:t>‹#›</a:t>
             </a:fld>
-            <a:endParaRPr lang="en-US"/>
+            <a:endParaRPr lang="en-US" dirty="0"/>
           </a:p>
         </p:txBody>
       </p:sp>
@@ -1919,7 +1930,7 @@
               <a:pPr/>
               <a:t>September 29, 2017</a:t>
             </a:fld>
-            <a:endParaRPr lang="en-US"/>
+            <a:endParaRPr lang="en-US" dirty="0"/>
           </a:p>
         </p:txBody>
       </p:sp>
@@ -1938,7 +1949,7 @@
           <a:bodyPr/>
           <a:lstStyle/>
           <a:p>
-            <a:endParaRPr lang="en-US"/>
+            <a:endParaRPr lang="en-US" dirty="0"/>
           </a:p>
         </p:txBody>
       </p:sp>
@@ -1962,7 +1973,7 @@
               <a:pPr/>
               <a:t>‹#›</a:t>
             </a:fld>
-            <a:endParaRPr lang="en-US"/>
+            <a:endParaRPr lang="en-US" dirty="0"/>
           </a:p>
         </p:txBody>
       </p:sp>
@@ -2409,7 +2420,7 @@
               <a:pPr/>
               <a:t>September 29, 2017</a:t>
             </a:fld>
-            <a:endParaRPr lang="en-US"/>
+            <a:endParaRPr lang="en-US" dirty="0"/>
           </a:p>
         </p:txBody>
       </p:sp>
@@ -2428,7 +2439,7 @@
           <a:bodyPr/>
           <a:lstStyle/>
           <a:p>
-            <a:endParaRPr lang="en-US"/>
+            <a:endParaRPr lang="en-US" dirty="0"/>
           </a:p>
         </p:txBody>
       </p:sp>
@@ -2452,7 +2463,7 @@
               <a:pPr/>
               <a:t>‹#›</a:t>
             </a:fld>
-            <a:endParaRPr lang="en-US"/>
+            <a:endParaRPr lang="en-US" dirty="0"/>
           </a:p>
         </p:txBody>
       </p:sp>
@@ -2524,7 +2535,7 @@
               <a:pPr/>
               <a:t>September 29, 2017</a:t>
             </a:fld>
-            <a:endParaRPr lang="en-US"/>
+            <a:endParaRPr lang="en-US" dirty="0"/>
           </a:p>
         </p:txBody>
       </p:sp>
@@ -2543,7 +2554,7 @@
           <a:bodyPr/>
           <a:lstStyle/>
           <a:p>
-            <a:endParaRPr lang="en-US"/>
+            <a:endParaRPr lang="en-US" dirty="0"/>
           </a:p>
         </p:txBody>
       </p:sp>
@@ -2567,7 +2578,7 @@
               <a:pPr/>
               <a:t>‹#›</a:t>
             </a:fld>
-            <a:endParaRPr lang="en-US"/>
+            <a:endParaRPr lang="en-US" dirty="0"/>
           </a:p>
         </p:txBody>
       </p:sp>
@@ -2616,7 +2627,7 @@
               <a:pPr/>
               <a:t>September 29, 2017</a:t>
             </a:fld>
-            <a:endParaRPr lang="en-US"/>
+            <a:endParaRPr lang="en-US" dirty="0"/>
           </a:p>
         </p:txBody>
       </p:sp>
@@ -2635,7 +2646,7 @@
           <a:bodyPr/>
           <a:lstStyle/>
           <a:p>
-            <a:endParaRPr lang="en-US"/>
+            <a:endParaRPr lang="en-US" dirty="0"/>
           </a:p>
         </p:txBody>
       </p:sp>
@@ -2659,7 +2670,7 @@
               <a:pPr/>
               <a:t>‹#›</a:t>
             </a:fld>
-            <a:endParaRPr lang="en-US"/>
+            <a:endParaRPr lang="en-US" dirty="0"/>
           </a:p>
         </p:txBody>
       </p:sp>
@@ -2730,7 +2741,7 @@
           <a:lstStyle/>
           <a:p>
             <a:pPr algn="ctr"/>
-            <a:endParaRPr lang="en-US"/>
+            <a:endParaRPr lang="en-US" dirty="0"/>
           </a:p>
         </p:txBody>
       </p:sp>
@@ -2778,7 +2789,7 @@
           <a:lstStyle/>
           <a:p>
             <a:pPr marL="0" algn="ctr" defTabSz="914400" rtl="0" eaLnBrk="1" latinLnBrk="0" hangingPunct="1"/>
-            <a:endParaRPr lang="en-US" sz="1800" kern="1200">
+            <a:endParaRPr lang="en-US" sz="1800" kern="1200" dirty="0">
               <a:solidFill>
                 <a:schemeClr val="lt1"/>
               </a:solidFill>
@@ -3048,7 +3059,7 @@
               <a:pPr/>
               <a:t>September 29, 2017</a:t>
             </a:fld>
-            <a:endParaRPr lang="en-US"/>
+            <a:endParaRPr lang="en-US" dirty="0"/>
           </a:p>
         </p:txBody>
       </p:sp>
@@ -3300,7 +3311,7 @@
           </a:lstStyle>
           <a:p>
             <a:r>
-              <a:rPr lang="en-US" smtClean="0"/>
+              <a:rPr lang="en-US" dirty="0" smtClean="0"/>
               <a:t>Drag picture to placeholder or click icon to add</a:t>
             </a:r>
             <a:endParaRPr lang="en-US" dirty="0"/>
@@ -3349,7 +3360,7 @@
           <a:lstStyle/>
           <a:p>
             <a:pPr algn="ctr"/>
-            <a:endParaRPr lang="en-US"/>
+            <a:endParaRPr lang="en-US" dirty="0"/>
           </a:p>
         </p:txBody>
       </p:sp>
@@ -3456,7 +3467,7 @@
           <a:lstStyle/>
           <a:p>
             <a:pPr algn="ctr"/>
-            <a:endParaRPr lang="en-US"/>
+            <a:endParaRPr lang="en-US" dirty="0"/>
           </a:p>
         </p:txBody>
       </p:sp>
@@ -3583,7 +3594,7 @@
               <a:pPr/>
               <a:t>September 29, 2017</a:t>
             </a:fld>
-            <a:endParaRPr lang="en-US"/>
+            <a:endParaRPr lang="en-US" dirty="0"/>
           </a:p>
         </p:txBody>
       </p:sp>
@@ -3602,7 +3613,7 @@
           <a:bodyPr/>
           <a:lstStyle/>
           <a:p>
-            <a:endParaRPr lang="en-US"/>
+            <a:endParaRPr lang="en-US" dirty="0"/>
           </a:p>
         </p:txBody>
       </p:sp>
@@ -3626,7 +3637,7 @@
               <a:pPr/>
               <a:t>‹#›</a:t>
             </a:fld>
-            <a:endParaRPr lang="en-US"/>
+            <a:endParaRPr lang="en-US" dirty="0"/>
           </a:p>
         </p:txBody>
       </p:sp>
@@ -3977,7 +3988,7 @@
           <a:lstStyle/>
           <a:p>
             <a:pPr algn="ctr"/>
-            <a:endParaRPr lang="en-US"/>
+            <a:endParaRPr lang="en-US" dirty="0"/>
           </a:p>
         </p:txBody>
       </p:sp>
@@ -4296,7 +4307,7 @@
           <a:lstStyle/>
           <a:p>
             <a:pPr algn="ctr"/>
-            <a:endParaRPr lang="en-US"/>
+            <a:endParaRPr lang="en-US" dirty="0"/>
           </a:p>
         </p:txBody>
       </p:sp>
@@ -5250,13 +5261,8 @@
             </a:pPr>
             <a:r>
               <a:rPr lang="en-US" sz="2400" dirty="0" smtClean="0"/>
-              <a:t>L2 penalty to control </a:t>
-            </a:r>
-            <a:r>
-              <a:rPr lang="en-US" sz="2400" dirty="0" err="1" smtClean="0"/>
-              <a:t>overfitting</a:t>
-            </a:r>
-            <a:endParaRPr lang="en-US" sz="2400" dirty="0" smtClean="0"/>
+              <a:t>L2 penalty to control overfitting</a:t>
+            </a:r>
           </a:p>
           <a:p>
             <a:pPr marL="0" indent="0"/>
@@ -5394,7 +5400,7 @@
           <a:p>
             <a:r>
               <a:rPr lang="en-US" dirty="0" smtClean="0"/>
-              <a:t>Resume p.11 of report</a:t>
+              <a:t>Logistic regression: imbalanced data</a:t>
             </a:r>
             <a:endParaRPr lang="en-US" dirty="0"/>
           </a:p>
@@ -5412,10 +5418,65 @@
         </p:nvSpPr>
         <p:spPr/>
         <p:txBody>
-          <a:bodyPr/>
+          <a:bodyPr>
+            <a:normAutofit/>
+          </a:bodyPr>
           <a:lstStyle/>
           <a:p>
-            <a:endParaRPr lang="en-US"/>
+            <a:pPr>
+              <a:buFont typeface="Arial"/>
+              <a:buChar char="•"/>
+            </a:pPr>
+            <a:r>
+              <a:rPr lang="en-US" sz="2400" dirty="0" smtClean="0"/>
+              <a:t>Ratio of non-readmitted to readmitted about 11:1</a:t>
+            </a:r>
+          </a:p>
+          <a:p>
+            <a:pPr lvl="2">
+              <a:buFont typeface="Arial"/>
+              <a:buChar char="•"/>
+            </a:pPr>
+            <a:r>
+              <a:rPr lang="en-US" sz="2400" dirty="0"/>
+              <a:t> </a:t>
+            </a:r>
+            <a:r>
+              <a:rPr lang="en-US" sz="2400" dirty="0" smtClean="0"/>
+              <a:t>not fixed by weights in model</a:t>
+            </a:r>
+          </a:p>
+          <a:p>
+            <a:pPr lvl="2">
+              <a:buFont typeface="Arial"/>
+              <a:buChar char="•"/>
+            </a:pPr>
+            <a:endParaRPr lang="en-US" sz="2400" dirty="0"/>
+          </a:p>
+          <a:p>
+            <a:pPr>
+              <a:buFont typeface="Arial"/>
+              <a:buChar char="•"/>
+            </a:pPr>
+            <a:r>
+              <a:rPr lang="en-US" sz="2400" dirty="0" smtClean="0"/>
+              <a:t>Correction through random undersampling and SMOTE oversampling methods</a:t>
+            </a:r>
+          </a:p>
+          <a:p>
+            <a:pPr marL="0" indent="0"/>
+            <a:endParaRPr lang="en-US" sz="2400" dirty="0" smtClean="0"/>
+          </a:p>
+          <a:p>
+            <a:pPr>
+              <a:buFont typeface="Arial"/>
+              <a:buChar char="•"/>
+            </a:pPr>
+            <a:r>
+              <a:rPr lang="en-US" sz="2400" dirty="0" smtClean="0"/>
+              <a:t>Tradeoff in global accuracy (72.8% for training and 72.5% for test) for improved precision and recall</a:t>
+            </a:r>
+            <a:endParaRPr lang="en-US" sz="2400" dirty="0"/>
           </a:p>
         </p:txBody>
       </p:sp>
@@ -5464,7 +5525,11 @@
           <a:bodyPr/>
           <a:lstStyle/>
           <a:p>
-            <a:endParaRPr lang="en-US"/>
+            <a:r>
+              <a:rPr lang="en-US" dirty="0" smtClean="0"/>
+              <a:t>Logistic regression: imbalanced data</a:t>
+            </a:r>
+            <a:endParaRPr lang="en-US" dirty="0"/>
           </a:p>
         </p:txBody>
       </p:sp>
@@ -5478,19 +5543,1583 @@
             <p:ph idx="1"/>
           </p:nvPr>
         </p:nvSpPr>
-        <p:spPr/>
+        <p:spPr>
+          <a:xfrm>
+            <a:off x="678648" y="2886060"/>
+            <a:ext cx="7520940" cy="2135686"/>
+          </a:xfrm>
+        </p:spPr>
+        <p:txBody>
+          <a:bodyPr>
+            <a:normAutofit/>
+          </a:bodyPr>
+          <a:lstStyle/>
+          <a:p>
+            <a:pPr>
+              <a:buFont typeface="Arial"/>
+              <a:buChar char="•"/>
+            </a:pPr>
+            <a:r>
+              <a:rPr lang="en-US" sz="2400" dirty="0"/>
+              <a:t>P</a:t>
+            </a:r>
+            <a:r>
+              <a:rPr lang="en-US" sz="2400" dirty="0" smtClean="0"/>
+              <a:t>recision </a:t>
+            </a:r>
+            <a:r>
+              <a:rPr lang="en-US" sz="2400" dirty="0"/>
+              <a:t>is slightly higher </a:t>
+            </a:r>
+            <a:r>
+              <a:rPr lang="en-US" sz="2400" dirty="0" smtClean="0"/>
+              <a:t>for test data. </a:t>
+            </a:r>
+          </a:p>
+          <a:p>
+            <a:pPr marL="0" indent="0"/>
+            <a:endParaRPr lang="en-US" sz="2400" dirty="0" smtClean="0"/>
+          </a:p>
+          <a:p>
+            <a:pPr>
+              <a:buFont typeface="Arial"/>
+              <a:buChar char="•"/>
+            </a:pPr>
+            <a:r>
+              <a:rPr lang="en-US" sz="2400" dirty="0" smtClean="0"/>
+              <a:t>Although </a:t>
+            </a:r>
+            <a:r>
+              <a:rPr lang="en-US" sz="2400" dirty="0"/>
+              <a:t>the difference is small, minor underfitting may have ensued in </a:t>
+            </a:r>
+            <a:r>
+              <a:rPr lang="en-US" sz="2400" dirty="0" smtClean="0"/>
+              <a:t>correcting </a:t>
+            </a:r>
+            <a:r>
+              <a:rPr lang="en-US" sz="2400" dirty="0"/>
+              <a:t>the imbalance in the dependent </a:t>
+            </a:r>
+            <a:r>
+              <a:rPr lang="en-US" sz="2400" dirty="0" smtClean="0"/>
+              <a:t>variable. </a:t>
+            </a:r>
+            <a:endParaRPr lang="en-US" sz="2400" dirty="0"/>
+          </a:p>
+        </p:txBody>
+      </p:sp>
+      <p:graphicFrame>
+        <p:nvGraphicFramePr>
+          <p:cNvPr id="4" name="Table 3"/>
+          <p:cNvGraphicFramePr>
+            <a:graphicFrameLocks noGrp="1"/>
+          </p:cNvGraphicFramePr>
+          <p:nvPr>
+            <p:extLst>
+              <p:ext uri="{D42A27DB-BD31-4B8C-83A1-F6EECF244321}">
+                <p14:modId xmlns:p14="http://schemas.microsoft.com/office/powerpoint/2010/main" val="3742524431"/>
+              </p:ext>
+            </p:extLst>
+          </p:nvPr>
+        </p:nvGraphicFramePr>
+        <p:xfrm>
+          <a:off x="2043524" y="1157899"/>
+          <a:ext cx="4479399" cy="1414503"/>
+        </p:xfrm>
+        <a:graphic>
+          <a:graphicData uri="http://schemas.openxmlformats.org/drawingml/2006/table">
+            <a:tbl>
+              <a:tblPr firstRow="1" bandRow="1">
+                <a:tableStyleId>{8A107856-5554-42FB-B03E-39F5DBC370BA}</a:tableStyleId>
+              </a:tblPr>
+              <a:tblGrid>
+                <a:gridCol w="1493133"/>
+                <a:gridCol w="1493133"/>
+                <a:gridCol w="1493133"/>
+              </a:tblGrid>
+              <a:tr h="471501">
+                <a:tc>
+                  <a:txBody>
+                    <a:bodyPr/>
+                    <a:lstStyle/>
+                    <a:p>
+                      <a:pPr marL="0" marR="0" algn="ctr">
+                        <a:lnSpc>
+                          <a:spcPct val="115000"/>
+                        </a:lnSpc>
+                        <a:spcBef>
+                          <a:spcPts val="0"/>
+                        </a:spcBef>
+                        <a:spcAft>
+                          <a:spcPts val="0"/>
+                        </a:spcAft>
+                      </a:pPr>
+                      <a:endParaRPr lang="en-US" sz="1800" dirty="0">
+                        <a:effectLst/>
+                        <a:latin typeface="Franklin Gothic Book"/>
+                        <a:ea typeface="ＭＳ 明朝"/>
+                        <a:cs typeface="Franklin Gothic Book"/>
+                      </a:endParaRPr>
+                    </a:p>
+                  </a:txBody>
+                  <a:tcPr marL="68580" marR="68580" marT="0" marB="0" anchor="ctr"/>
+                </a:tc>
+                <a:tc>
+                  <a:txBody>
+                    <a:bodyPr/>
+                    <a:lstStyle/>
+                    <a:p>
+                      <a:pPr marL="0" marR="0" algn="ctr">
+                        <a:lnSpc>
+                          <a:spcPct val="115000"/>
+                        </a:lnSpc>
+                        <a:spcBef>
+                          <a:spcPts val="0"/>
+                        </a:spcBef>
+                        <a:spcAft>
+                          <a:spcPts val="0"/>
+                        </a:spcAft>
+                      </a:pPr>
+                      <a:r>
+                        <a:rPr lang="en-US" sz="1800" kern="1200" dirty="0" smtClean="0">
+                          <a:solidFill>
+                            <a:schemeClr val="dk1"/>
+                          </a:solidFill>
+                          <a:effectLst/>
+                          <a:latin typeface="+mn-lt"/>
+                          <a:ea typeface="+mn-ea"/>
+                          <a:cs typeface="+mn-cs"/>
+                        </a:rPr>
+                        <a:t>Training Data</a:t>
+                      </a:r>
+                      <a:endParaRPr lang="en-US" sz="1800" dirty="0">
+                        <a:effectLst/>
+                        <a:latin typeface="Franklin Gothic Book"/>
+                        <a:ea typeface="ＭＳ 明朝"/>
+                        <a:cs typeface="Franklin Gothic Book"/>
+                      </a:endParaRPr>
+                    </a:p>
+                  </a:txBody>
+                  <a:tcPr marL="68580" marR="68580" marT="0" marB="0" anchor="ctr"/>
+                </a:tc>
+                <a:tc>
+                  <a:txBody>
+                    <a:bodyPr/>
+                    <a:lstStyle/>
+                    <a:p>
+                      <a:pPr marL="0" marR="0" algn="ctr">
+                        <a:lnSpc>
+                          <a:spcPct val="115000"/>
+                        </a:lnSpc>
+                        <a:spcBef>
+                          <a:spcPts val="0"/>
+                        </a:spcBef>
+                        <a:spcAft>
+                          <a:spcPts val="0"/>
+                        </a:spcAft>
+                      </a:pPr>
+                      <a:r>
+                        <a:rPr lang="en-US" sz="1800" kern="1200" dirty="0" smtClean="0">
+                          <a:solidFill>
+                            <a:schemeClr val="dk1"/>
+                          </a:solidFill>
+                          <a:effectLst/>
+                          <a:latin typeface="+mn-lt"/>
+                          <a:ea typeface="+mn-ea"/>
+                          <a:cs typeface="+mn-cs"/>
+                        </a:rPr>
+                        <a:t>Test Data</a:t>
+                      </a:r>
+                      <a:endParaRPr lang="en-US" sz="1800" dirty="0">
+                        <a:effectLst/>
+                        <a:latin typeface="Franklin Gothic Book"/>
+                        <a:ea typeface="ＭＳ 明朝"/>
+                        <a:cs typeface="Franklin Gothic Book"/>
+                      </a:endParaRPr>
+                    </a:p>
+                  </a:txBody>
+                  <a:tcPr marL="68580" marR="68580" marT="0" marB="0" anchor="ctr"/>
+                </a:tc>
+              </a:tr>
+              <a:tr h="471501">
+                <a:tc>
+                  <a:txBody>
+                    <a:bodyPr/>
+                    <a:lstStyle/>
+                    <a:p>
+                      <a:pPr marL="0" marR="0" algn="ctr">
+                        <a:lnSpc>
+                          <a:spcPct val="115000"/>
+                        </a:lnSpc>
+                        <a:spcBef>
+                          <a:spcPts val="0"/>
+                        </a:spcBef>
+                        <a:spcAft>
+                          <a:spcPts val="0"/>
+                        </a:spcAft>
+                      </a:pPr>
+                      <a:r>
+                        <a:rPr lang="en-US" sz="1800" kern="1200" dirty="0" smtClean="0">
+                          <a:solidFill>
+                            <a:schemeClr val="dk1"/>
+                          </a:solidFill>
+                          <a:effectLst/>
+                          <a:latin typeface="+mn-lt"/>
+                          <a:ea typeface="+mn-ea"/>
+                          <a:cs typeface="+mn-cs"/>
+                        </a:rPr>
+                        <a:t>Precision</a:t>
+                      </a:r>
+                      <a:endParaRPr lang="en-US" sz="1800" dirty="0">
+                        <a:effectLst/>
+                        <a:latin typeface="Franklin Gothic Book"/>
+                        <a:ea typeface="ＭＳ 明朝"/>
+                        <a:cs typeface="Franklin Gothic Book"/>
+                      </a:endParaRPr>
+                    </a:p>
+                  </a:txBody>
+                  <a:tcPr marL="68580" marR="68580" marT="0" marB="0" anchor="ctr"/>
+                </a:tc>
+                <a:tc>
+                  <a:txBody>
+                    <a:bodyPr/>
+                    <a:lstStyle/>
+                    <a:p>
+                      <a:pPr marL="0" marR="0" algn="ctr">
+                        <a:lnSpc>
+                          <a:spcPct val="115000"/>
+                        </a:lnSpc>
+                        <a:spcBef>
+                          <a:spcPts val="0"/>
+                        </a:spcBef>
+                        <a:spcAft>
+                          <a:spcPts val="0"/>
+                        </a:spcAft>
+                      </a:pPr>
+                      <a:r>
+                        <a:rPr lang="en-US" sz="1800" kern="1200" dirty="0" smtClean="0">
+                          <a:solidFill>
+                            <a:schemeClr val="dk1"/>
+                          </a:solidFill>
+                          <a:effectLst/>
+                          <a:latin typeface="+mn-lt"/>
+                          <a:ea typeface="+mn-ea"/>
+                          <a:cs typeface="+mn-cs"/>
+                        </a:rPr>
+                        <a:t>75.2</a:t>
+                      </a:r>
+                      <a:endParaRPr lang="en-US" sz="1800" dirty="0">
+                        <a:effectLst/>
+                        <a:latin typeface="Franklin Gothic Book"/>
+                        <a:ea typeface="ＭＳ 明朝"/>
+                        <a:cs typeface="Franklin Gothic Book"/>
+                      </a:endParaRPr>
+                    </a:p>
+                  </a:txBody>
+                  <a:tcPr marL="68580" marR="68580" marT="0" marB="0" anchor="ctr"/>
+                </a:tc>
+                <a:tc>
+                  <a:txBody>
+                    <a:bodyPr/>
+                    <a:lstStyle/>
+                    <a:p>
+                      <a:pPr marL="0" marR="0" algn="ctr">
+                        <a:lnSpc>
+                          <a:spcPct val="115000"/>
+                        </a:lnSpc>
+                        <a:spcBef>
+                          <a:spcPts val="0"/>
+                        </a:spcBef>
+                        <a:spcAft>
+                          <a:spcPts val="0"/>
+                        </a:spcAft>
+                      </a:pPr>
+                      <a:r>
+                        <a:rPr lang="en-US" sz="1800" kern="1200" dirty="0" smtClean="0">
+                          <a:solidFill>
+                            <a:schemeClr val="dk1"/>
+                          </a:solidFill>
+                          <a:effectLst/>
+                          <a:latin typeface="+mn-lt"/>
+                          <a:ea typeface="+mn-ea"/>
+                          <a:cs typeface="+mn-cs"/>
+                        </a:rPr>
+                        <a:t>75.5</a:t>
+                      </a:r>
+                      <a:endParaRPr lang="en-US" sz="1800" dirty="0">
+                        <a:effectLst/>
+                        <a:latin typeface="Franklin Gothic Book"/>
+                        <a:ea typeface="ＭＳ 明朝"/>
+                        <a:cs typeface="Franklin Gothic Book"/>
+                      </a:endParaRPr>
+                    </a:p>
+                  </a:txBody>
+                  <a:tcPr marL="68580" marR="68580" marT="0" marB="0" anchor="ctr"/>
+                </a:tc>
+              </a:tr>
+              <a:tr h="471501">
+                <a:tc>
+                  <a:txBody>
+                    <a:bodyPr/>
+                    <a:lstStyle/>
+                    <a:p>
+                      <a:pPr marL="0" marR="0" algn="ctr">
+                        <a:lnSpc>
+                          <a:spcPct val="115000"/>
+                        </a:lnSpc>
+                        <a:spcBef>
+                          <a:spcPts val="0"/>
+                        </a:spcBef>
+                        <a:spcAft>
+                          <a:spcPts val="0"/>
+                        </a:spcAft>
+                      </a:pPr>
+                      <a:r>
+                        <a:rPr lang="en-US" sz="1800" kern="1200" dirty="0" smtClean="0">
+                          <a:solidFill>
+                            <a:schemeClr val="dk1"/>
+                          </a:solidFill>
+                          <a:effectLst/>
+                          <a:latin typeface="+mn-lt"/>
+                          <a:ea typeface="+mn-ea"/>
+                          <a:cs typeface="+mn-cs"/>
+                        </a:rPr>
+                        <a:t>Recall</a:t>
+                      </a:r>
+                      <a:endParaRPr lang="en-US" sz="1800" dirty="0">
+                        <a:effectLst/>
+                        <a:latin typeface="Franklin Gothic Book"/>
+                        <a:ea typeface="ＭＳ 明朝"/>
+                        <a:cs typeface="Franklin Gothic Book"/>
+                      </a:endParaRPr>
+                    </a:p>
+                  </a:txBody>
+                  <a:tcPr marL="68580" marR="68580" marT="0" marB="0" anchor="ctr"/>
+                </a:tc>
+                <a:tc>
+                  <a:txBody>
+                    <a:bodyPr/>
+                    <a:lstStyle/>
+                    <a:p>
+                      <a:pPr marL="0" marR="0" algn="ctr">
+                        <a:lnSpc>
+                          <a:spcPct val="115000"/>
+                        </a:lnSpc>
+                        <a:spcBef>
+                          <a:spcPts val="0"/>
+                        </a:spcBef>
+                        <a:spcAft>
+                          <a:spcPts val="0"/>
+                        </a:spcAft>
+                      </a:pPr>
+                      <a:r>
+                        <a:rPr lang="en-US" sz="1800" kern="1200" dirty="0" smtClean="0">
+                          <a:solidFill>
+                            <a:schemeClr val="dk1"/>
+                          </a:solidFill>
+                          <a:effectLst/>
+                          <a:latin typeface="+mn-lt"/>
+                          <a:ea typeface="+mn-ea"/>
+                          <a:cs typeface="+mn-cs"/>
+                        </a:rPr>
+                        <a:t>67.5</a:t>
+                      </a:r>
+                      <a:endParaRPr lang="en-US" sz="1800" dirty="0">
+                        <a:effectLst/>
+                        <a:latin typeface="Franklin Gothic Book"/>
+                        <a:ea typeface="ＭＳ 明朝"/>
+                        <a:cs typeface="Franklin Gothic Book"/>
+                      </a:endParaRPr>
+                    </a:p>
+                  </a:txBody>
+                  <a:tcPr marL="68580" marR="68580" marT="0" marB="0" anchor="ctr"/>
+                </a:tc>
+                <a:tc>
+                  <a:txBody>
+                    <a:bodyPr/>
+                    <a:lstStyle/>
+                    <a:p>
+                      <a:pPr marL="0" marR="0" algn="ctr">
+                        <a:lnSpc>
+                          <a:spcPct val="115000"/>
+                        </a:lnSpc>
+                        <a:spcBef>
+                          <a:spcPts val="0"/>
+                        </a:spcBef>
+                        <a:spcAft>
+                          <a:spcPts val="0"/>
+                        </a:spcAft>
+                      </a:pPr>
+                      <a:r>
+                        <a:rPr lang="en-US" sz="1800" kern="1200" dirty="0" smtClean="0">
+                          <a:solidFill>
+                            <a:schemeClr val="dk1"/>
+                          </a:solidFill>
+                          <a:effectLst/>
+                          <a:latin typeface="+mn-lt"/>
+                          <a:ea typeface="+mn-ea"/>
+                          <a:cs typeface="+mn-cs"/>
+                        </a:rPr>
+                        <a:t>67.5</a:t>
+                      </a:r>
+                      <a:endParaRPr lang="en-US" sz="1800" dirty="0">
+                        <a:effectLst/>
+                        <a:latin typeface="Franklin Gothic Book"/>
+                        <a:ea typeface="ＭＳ 明朝"/>
+                        <a:cs typeface="Franklin Gothic Book"/>
+                      </a:endParaRPr>
+                    </a:p>
+                  </a:txBody>
+                  <a:tcPr marL="68580" marR="68580" marT="0" marB="0" anchor="ctr"/>
+                </a:tc>
+              </a:tr>
+            </a:tbl>
+          </a:graphicData>
+        </a:graphic>
+      </p:graphicFrame>
+    </p:spTree>
+    <p:extLst>
+      <p:ext uri="{BB962C8B-B14F-4D97-AF65-F5344CB8AC3E}">
+        <p14:creationId xmlns:p14="http://schemas.microsoft.com/office/powerpoint/2010/main" val="4062413436"/>
+      </p:ext>
+    </p:extLst>
+  </p:cSld>
+  <p:clrMapOvr>
+    <a:masterClrMapping/>
+  </p:clrMapOvr>
+</p:sld>
+</file>
+
+<file path=ppt/slides/slide15.xml><?xml version="1.0" encoding="utf-8"?>
+<p:sld xmlns:a="http://schemas.openxmlformats.org/drawingml/2006/main" xmlns:r="http://schemas.openxmlformats.org/officeDocument/2006/relationships" xmlns:p="http://schemas.openxmlformats.org/presentationml/2006/main">
+  <p:cSld>
+    <p:spTree>
+      <p:nvGrpSpPr>
+        <p:cNvPr id="1" name=""/>
+        <p:cNvGrpSpPr/>
+        <p:nvPr/>
+      </p:nvGrpSpPr>
+      <p:grpSpPr>
+        <a:xfrm>
+          <a:off x="0" y="0"/>
+          <a:ext cx="0" cy="0"/>
+          <a:chOff x="0" y="0"/>
+          <a:chExt cx="0" cy="0"/>
+        </a:xfrm>
+      </p:grpSpPr>
+      <p:sp>
+        <p:nvSpPr>
+          <p:cNvPr id="2" name="Title 1"/>
+          <p:cNvSpPr>
+            <a:spLocks noGrp="1"/>
+          </p:cNvSpPr>
+          <p:nvPr>
+            <p:ph type="title"/>
+          </p:nvPr>
+        </p:nvSpPr>
+        <p:spPr>
+          <a:xfrm>
+            <a:off x="664215" y="365760"/>
+            <a:ext cx="7835790" cy="548640"/>
+          </a:xfrm>
+        </p:spPr>
         <p:txBody>
           <a:bodyPr/>
           <a:lstStyle/>
           <a:p>
-            <a:endParaRPr lang="en-US"/>
-          </a:p>
-        </p:txBody>
-      </p:sp>
+            <a:r>
+              <a:rPr lang="en-US" dirty="0" smtClean="0"/>
+              <a:t>Logistic regression: important predictors</a:t>
+            </a:r>
+            <a:endParaRPr lang="en-US" dirty="0"/>
+          </a:p>
+        </p:txBody>
+      </p:sp>
+      <p:graphicFrame>
+        <p:nvGraphicFramePr>
+          <p:cNvPr id="4" name="Table 3"/>
+          <p:cNvGraphicFramePr>
+            <a:graphicFrameLocks noGrp="1"/>
+          </p:cNvGraphicFramePr>
+          <p:nvPr>
+            <p:extLst>
+              <p:ext uri="{D42A27DB-BD31-4B8C-83A1-F6EECF244321}">
+                <p14:modId xmlns:p14="http://schemas.microsoft.com/office/powerpoint/2010/main" val="1725474001"/>
+              </p:ext>
+            </p:extLst>
+          </p:nvPr>
+        </p:nvGraphicFramePr>
+        <p:xfrm>
+          <a:off x="2150635" y="1576378"/>
+          <a:ext cx="4820038" cy="2829006"/>
+        </p:xfrm>
+        <a:graphic>
+          <a:graphicData uri="http://schemas.openxmlformats.org/drawingml/2006/table">
+            <a:tbl>
+              <a:tblPr firstRow="1" bandRow="1">
+                <a:tableStyleId>{8A107856-5554-42FB-B03E-39F5DBC370BA}</a:tableStyleId>
+              </a:tblPr>
+              <a:tblGrid>
+                <a:gridCol w="3030184"/>
+                <a:gridCol w="1789854"/>
+              </a:tblGrid>
+              <a:tr h="471501">
+                <a:tc>
+                  <a:txBody>
+                    <a:bodyPr/>
+                    <a:lstStyle/>
+                    <a:p>
+                      <a:pPr marL="0" marR="0" algn="ctr">
+                        <a:lnSpc>
+                          <a:spcPct val="115000"/>
+                        </a:lnSpc>
+                        <a:spcBef>
+                          <a:spcPts val="0"/>
+                        </a:spcBef>
+                        <a:spcAft>
+                          <a:spcPts val="0"/>
+                        </a:spcAft>
+                      </a:pPr>
+                      <a:r>
+                        <a:rPr lang="en-US" sz="1800" b="1" kern="1200" dirty="0" smtClean="0">
+                          <a:solidFill>
+                            <a:schemeClr val="dk1"/>
+                          </a:solidFill>
+                          <a:effectLst/>
+                          <a:latin typeface="+mn-lt"/>
+                          <a:ea typeface="+mn-ea"/>
+                          <a:cs typeface="+mn-cs"/>
+                        </a:rPr>
+                        <a:t>Variable</a:t>
+                      </a:r>
+                      <a:endParaRPr lang="en-US" sz="1800" b="1" dirty="0">
+                        <a:effectLst/>
+                        <a:latin typeface="Franklin Gothic Book"/>
+                        <a:ea typeface="ＭＳ 明朝"/>
+                        <a:cs typeface="Franklin Gothic Book"/>
+                      </a:endParaRPr>
+                    </a:p>
+                  </a:txBody>
+                  <a:tcPr marL="68580" marR="68580" marT="0" marB="0" anchor="ctr"/>
+                </a:tc>
+                <a:tc>
+                  <a:txBody>
+                    <a:bodyPr/>
+                    <a:lstStyle/>
+                    <a:p>
+                      <a:pPr marL="0" marR="0" algn="ctr">
+                        <a:lnSpc>
+                          <a:spcPct val="115000"/>
+                        </a:lnSpc>
+                        <a:spcBef>
+                          <a:spcPts val="0"/>
+                        </a:spcBef>
+                        <a:spcAft>
+                          <a:spcPts val="0"/>
+                        </a:spcAft>
+                      </a:pPr>
+                      <a:r>
+                        <a:rPr lang="en-US" sz="1800" kern="1200" dirty="0" smtClean="0">
+                          <a:solidFill>
+                            <a:schemeClr val="dk1"/>
+                          </a:solidFill>
+                          <a:effectLst/>
+                          <a:latin typeface="+mn-lt"/>
+                          <a:ea typeface="+mn-ea"/>
+                          <a:cs typeface="+mn-cs"/>
+                        </a:rPr>
+                        <a:t>Coefficient</a:t>
+                      </a:r>
+                      <a:endParaRPr lang="en-US" sz="1800" dirty="0">
+                        <a:effectLst/>
+                        <a:latin typeface="Franklin Gothic Book"/>
+                        <a:ea typeface="ＭＳ 明朝"/>
+                        <a:cs typeface="Franklin Gothic Book"/>
+                      </a:endParaRPr>
+                    </a:p>
+                  </a:txBody>
+                  <a:tcPr marL="68580" marR="68580" marT="0" marB="0" anchor="ctr"/>
+                </a:tc>
+              </a:tr>
+              <a:tr h="471501">
+                <a:tc>
+                  <a:txBody>
+                    <a:bodyPr/>
+                    <a:lstStyle/>
+                    <a:p>
+                      <a:pPr marL="0" marR="0" algn="ctr">
+                        <a:lnSpc>
+                          <a:spcPct val="150000"/>
+                        </a:lnSpc>
+                        <a:spcBef>
+                          <a:spcPts val="0"/>
+                        </a:spcBef>
+                        <a:spcAft>
+                          <a:spcPts val="0"/>
+                        </a:spcAft>
+                      </a:pPr>
+                      <a:r>
+                        <a:rPr lang="en-US" sz="1800" dirty="0">
+                          <a:effectLst/>
+                          <a:latin typeface="Arial"/>
+                          <a:ea typeface="Times New Roman"/>
+                          <a:cs typeface="Times New Roman"/>
+                        </a:rPr>
+                        <a:t>num_visits</a:t>
+                      </a:r>
+                      <a:endParaRPr lang="en-US" sz="1800" dirty="0">
+                        <a:effectLst/>
+                        <a:latin typeface="Cambria"/>
+                        <a:ea typeface="ＭＳ 明朝"/>
+                        <a:cs typeface="Times New Roman"/>
+                      </a:endParaRPr>
+                    </a:p>
+                  </a:txBody>
+                  <a:tcPr marL="68580" marR="68580" marT="0" marB="0" anchor="ctr"/>
+                </a:tc>
+                <a:tc>
+                  <a:txBody>
+                    <a:bodyPr/>
+                    <a:lstStyle/>
+                    <a:p>
+                      <a:pPr marL="0" marR="0" algn="ctr">
+                        <a:lnSpc>
+                          <a:spcPct val="150000"/>
+                        </a:lnSpc>
+                        <a:spcBef>
+                          <a:spcPts val="0"/>
+                        </a:spcBef>
+                        <a:spcAft>
+                          <a:spcPts val="0"/>
+                        </a:spcAft>
+                      </a:pPr>
+                      <a:r>
+                        <a:rPr lang="en-US" sz="1800" dirty="0">
+                          <a:effectLst/>
+                          <a:latin typeface="Arial"/>
+                          <a:ea typeface="Times New Roman"/>
+                          <a:cs typeface="Times New Roman"/>
+                        </a:rPr>
+                        <a:t>0.589403</a:t>
+                      </a:r>
+                      <a:endParaRPr lang="en-US" sz="1800" dirty="0">
+                        <a:effectLst/>
+                        <a:latin typeface="Cambria"/>
+                        <a:ea typeface="ＭＳ 明朝"/>
+                        <a:cs typeface="Times New Roman"/>
+                      </a:endParaRPr>
+                    </a:p>
+                  </a:txBody>
+                  <a:tcPr marL="68580" marR="68580" marT="0" marB="0" anchor="ctr"/>
+                </a:tc>
+              </a:tr>
+              <a:tr h="471501">
+                <a:tc>
+                  <a:txBody>
+                    <a:bodyPr/>
+                    <a:lstStyle/>
+                    <a:p>
+                      <a:pPr marL="0" marR="0" algn="ctr">
+                        <a:lnSpc>
+                          <a:spcPct val="150000"/>
+                        </a:lnSpc>
+                        <a:spcBef>
+                          <a:spcPts val="0"/>
+                        </a:spcBef>
+                        <a:spcAft>
+                          <a:spcPts val="0"/>
+                        </a:spcAft>
+                      </a:pPr>
+                      <a:r>
+                        <a:rPr lang="en-US" sz="1800" dirty="0">
+                          <a:effectLst/>
+                          <a:latin typeface="Arial"/>
+                          <a:ea typeface="Times New Roman"/>
+                          <a:cs typeface="Times New Roman"/>
+                        </a:rPr>
+                        <a:t>number_inpatient</a:t>
+                      </a:r>
+                      <a:endParaRPr lang="en-US" sz="1800" dirty="0">
+                        <a:effectLst/>
+                        <a:latin typeface="Cambria"/>
+                        <a:ea typeface="ＭＳ 明朝"/>
+                        <a:cs typeface="Times New Roman"/>
+                      </a:endParaRPr>
+                    </a:p>
+                  </a:txBody>
+                  <a:tcPr marL="68580" marR="68580" marT="0" marB="0" anchor="ctr"/>
+                </a:tc>
+                <a:tc>
+                  <a:txBody>
+                    <a:bodyPr/>
+                    <a:lstStyle/>
+                    <a:p>
+                      <a:pPr marL="0" marR="0" algn="ctr">
+                        <a:lnSpc>
+                          <a:spcPct val="150000"/>
+                        </a:lnSpc>
+                        <a:spcBef>
+                          <a:spcPts val="0"/>
+                        </a:spcBef>
+                        <a:spcAft>
+                          <a:spcPts val="0"/>
+                        </a:spcAft>
+                      </a:pPr>
+                      <a:r>
+                        <a:rPr lang="en-US" sz="1800" dirty="0">
+                          <a:effectLst/>
+                          <a:latin typeface="Arial"/>
+                          <a:ea typeface="Times New Roman"/>
+                          <a:cs typeface="Times New Roman"/>
+                        </a:rPr>
+                        <a:t>0.284375</a:t>
+                      </a:r>
+                      <a:endParaRPr lang="en-US" sz="1800" dirty="0">
+                        <a:effectLst/>
+                        <a:latin typeface="Cambria"/>
+                        <a:ea typeface="ＭＳ 明朝"/>
+                        <a:cs typeface="Times New Roman"/>
+                      </a:endParaRPr>
+                    </a:p>
+                  </a:txBody>
+                  <a:tcPr marL="68580" marR="68580" marT="0" marB="0" anchor="ctr"/>
+                </a:tc>
+              </a:tr>
+              <a:tr h="471501">
+                <a:tc>
+                  <a:txBody>
+                    <a:bodyPr/>
+                    <a:lstStyle/>
+                    <a:p>
+                      <a:pPr marL="0" marR="0" algn="ctr">
+                        <a:lnSpc>
+                          <a:spcPct val="150000"/>
+                        </a:lnSpc>
+                        <a:spcBef>
+                          <a:spcPts val="0"/>
+                        </a:spcBef>
+                        <a:spcAft>
+                          <a:spcPts val="0"/>
+                        </a:spcAft>
+                      </a:pPr>
+                      <a:r>
+                        <a:rPr lang="en-US" sz="1800" dirty="0">
+                          <a:effectLst/>
+                          <a:latin typeface="Arial"/>
+                          <a:ea typeface="Times New Roman"/>
+                          <a:cs typeface="Times New Roman"/>
+                        </a:rPr>
+                        <a:t>discharge_disposition_id_3</a:t>
+                      </a:r>
+                      <a:endParaRPr lang="en-US" sz="1800" dirty="0">
+                        <a:effectLst/>
+                        <a:latin typeface="Cambria"/>
+                        <a:ea typeface="ＭＳ 明朝"/>
+                        <a:cs typeface="Times New Roman"/>
+                      </a:endParaRPr>
+                    </a:p>
+                  </a:txBody>
+                  <a:tcPr marL="68580" marR="68580" marT="0" marB="0" anchor="ctr"/>
+                </a:tc>
+                <a:tc>
+                  <a:txBody>
+                    <a:bodyPr/>
+                    <a:lstStyle/>
+                    <a:p>
+                      <a:pPr marL="0" marR="0" algn="ctr">
+                        <a:lnSpc>
+                          <a:spcPct val="150000"/>
+                        </a:lnSpc>
+                        <a:spcBef>
+                          <a:spcPts val="0"/>
+                        </a:spcBef>
+                        <a:spcAft>
+                          <a:spcPts val="0"/>
+                        </a:spcAft>
+                      </a:pPr>
+                      <a:r>
+                        <a:rPr lang="en-US" sz="1800" dirty="0">
+                          <a:effectLst/>
+                          <a:latin typeface="Arial"/>
+                          <a:ea typeface="Times New Roman"/>
+                          <a:cs typeface="Times New Roman"/>
+                        </a:rPr>
+                        <a:t>0.180511</a:t>
+                      </a:r>
+                      <a:endParaRPr lang="en-US" sz="1800" dirty="0">
+                        <a:effectLst/>
+                        <a:latin typeface="Cambria"/>
+                        <a:ea typeface="ＭＳ 明朝"/>
+                        <a:cs typeface="Times New Roman"/>
+                      </a:endParaRPr>
+                    </a:p>
+                  </a:txBody>
+                  <a:tcPr marL="68580" marR="68580" marT="0" marB="0" anchor="ctr"/>
+                </a:tc>
+              </a:tr>
+              <a:tr h="471501">
+                <a:tc>
+                  <a:txBody>
+                    <a:bodyPr/>
+                    <a:lstStyle/>
+                    <a:p>
+                      <a:pPr marL="0" marR="0" algn="ctr">
+                        <a:lnSpc>
+                          <a:spcPct val="150000"/>
+                        </a:lnSpc>
+                        <a:spcBef>
+                          <a:spcPts val="0"/>
+                        </a:spcBef>
+                        <a:spcAft>
+                          <a:spcPts val="0"/>
+                        </a:spcAft>
+                      </a:pPr>
+                      <a:r>
+                        <a:rPr lang="en-US" sz="1800" dirty="0">
+                          <a:effectLst/>
+                          <a:latin typeface="Arial"/>
+                          <a:ea typeface="Times New Roman"/>
+                          <a:cs typeface="Times New Roman"/>
+                        </a:rPr>
+                        <a:t>discharge_disposition_id_22</a:t>
+                      </a:r>
+                      <a:endParaRPr lang="en-US" sz="1800" dirty="0">
+                        <a:effectLst/>
+                        <a:latin typeface="Cambria"/>
+                        <a:ea typeface="ＭＳ 明朝"/>
+                        <a:cs typeface="Times New Roman"/>
+                      </a:endParaRPr>
+                    </a:p>
+                  </a:txBody>
+                  <a:tcPr marL="68580" marR="68580" marT="0" marB="0" anchor="ctr"/>
+                </a:tc>
+                <a:tc>
+                  <a:txBody>
+                    <a:bodyPr/>
+                    <a:lstStyle/>
+                    <a:p>
+                      <a:pPr marL="0" marR="0" algn="ctr">
+                        <a:lnSpc>
+                          <a:spcPct val="150000"/>
+                        </a:lnSpc>
+                        <a:spcBef>
+                          <a:spcPts val="0"/>
+                        </a:spcBef>
+                        <a:spcAft>
+                          <a:spcPts val="0"/>
+                        </a:spcAft>
+                      </a:pPr>
+                      <a:r>
+                        <a:rPr lang="en-US" sz="1800" dirty="0">
+                          <a:effectLst/>
+                          <a:latin typeface="Arial"/>
+                          <a:ea typeface="Times New Roman"/>
+                          <a:cs typeface="Times New Roman"/>
+                        </a:rPr>
+                        <a:t>0.138675</a:t>
+                      </a:r>
+                      <a:endParaRPr lang="en-US" sz="1800" dirty="0">
+                        <a:effectLst/>
+                        <a:latin typeface="Cambria"/>
+                        <a:ea typeface="ＭＳ 明朝"/>
+                        <a:cs typeface="Times New Roman"/>
+                      </a:endParaRPr>
+                    </a:p>
+                  </a:txBody>
+                  <a:tcPr marL="68580" marR="68580" marT="0" marB="0" anchor="ctr"/>
+                </a:tc>
+              </a:tr>
+              <a:tr h="471501">
+                <a:tc>
+                  <a:txBody>
+                    <a:bodyPr/>
+                    <a:lstStyle/>
+                    <a:p>
+                      <a:pPr marL="0" marR="0" algn="ctr">
+                        <a:lnSpc>
+                          <a:spcPct val="150000"/>
+                        </a:lnSpc>
+                        <a:spcBef>
+                          <a:spcPts val="0"/>
+                        </a:spcBef>
+                        <a:spcAft>
+                          <a:spcPts val="0"/>
+                        </a:spcAft>
+                      </a:pPr>
+                      <a:r>
+                        <a:rPr lang="en-US" sz="1800" dirty="0">
+                          <a:effectLst/>
+                          <a:latin typeface="Arial"/>
+                          <a:ea typeface="Times New Roman"/>
+                          <a:cs typeface="Times New Roman"/>
+                        </a:rPr>
+                        <a:t>first_diag_injury</a:t>
+                      </a:r>
+                      <a:endParaRPr lang="en-US" sz="1800" dirty="0">
+                        <a:effectLst/>
+                        <a:latin typeface="Cambria"/>
+                        <a:ea typeface="ＭＳ 明朝"/>
+                        <a:cs typeface="Times New Roman"/>
+                      </a:endParaRPr>
+                    </a:p>
+                  </a:txBody>
+                  <a:tcPr marL="68580" marR="68580" marT="0" marB="0" anchor="ctr"/>
+                </a:tc>
+                <a:tc>
+                  <a:txBody>
+                    <a:bodyPr/>
+                    <a:lstStyle/>
+                    <a:p>
+                      <a:pPr marL="0" marR="0" algn="ctr">
+                        <a:lnSpc>
+                          <a:spcPct val="150000"/>
+                        </a:lnSpc>
+                        <a:spcBef>
+                          <a:spcPts val="0"/>
+                        </a:spcBef>
+                        <a:spcAft>
+                          <a:spcPts val="0"/>
+                        </a:spcAft>
+                      </a:pPr>
+                      <a:r>
+                        <a:rPr lang="en-US" sz="1800" dirty="0">
+                          <a:effectLst/>
+                          <a:latin typeface="Arial"/>
+                          <a:ea typeface="Times New Roman"/>
+                          <a:cs typeface="Times New Roman"/>
+                        </a:rPr>
+                        <a:t>0.082984</a:t>
+                      </a:r>
+                      <a:endParaRPr lang="en-US" sz="1800" dirty="0">
+                        <a:effectLst/>
+                        <a:latin typeface="Cambria"/>
+                        <a:ea typeface="ＭＳ 明朝"/>
+                        <a:cs typeface="Times New Roman"/>
+                      </a:endParaRPr>
+                    </a:p>
+                  </a:txBody>
+                  <a:tcPr marL="68580" marR="68580" marT="0" marB="0" anchor="ctr"/>
+                </a:tc>
+              </a:tr>
+            </a:tbl>
+          </a:graphicData>
+        </a:graphic>
+      </p:graphicFrame>
+    </p:spTree>
+    <p:extLst>
+      <p:ext uri="{BB962C8B-B14F-4D97-AF65-F5344CB8AC3E}">
+        <p14:creationId xmlns:p14="http://schemas.microsoft.com/office/powerpoint/2010/main" val="1804683257"/>
+      </p:ext>
+    </p:extLst>
+  </p:cSld>
+  <p:clrMapOvr>
+    <a:masterClrMapping/>
+  </p:clrMapOvr>
+</p:sld>
+</file>
+
+<file path=ppt/slides/slide16.xml><?xml version="1.0" encoding="utf-8"?>
+<p:sld xmlns:a="http://schemas.openxmlformats.org/drawingml/2006/main" xmlns:r="http://schemas.openxmlformats.org/officeDocument/2006/relationships" xmlns:p="http://schemas.openxmlformats.org/presentationml/2006/main">
+  <p:cSld>
+    <p:spTree>
+      <p:nvGrpSpPr>
+        <p:cNvPr id="1" name=""/>
+        <p:cNvGrpSpPr/>
+        <p:nvPr/>
+      </p:nvGrpSpPr>
+      <p:grpSpPr>
+        <a:xfrm>
+          <a:off x="0" y="0"/>
+          <a:ext cx="0" cy="0"/>
+          <a:chOff x="0" y="0"/>
+          <a:chExt cx="0" cy="0"/>
+        </a:xfrm>
+      </p:grpSpPr>
+      <p:sp>
+        <p:nvSpPr>
+          <p:cNvPr id="2" name="Title 1"/>
+          <p:cNvSpPr>
+            <a:spLocks noGrp="1"/>
+          </p:cNvSpPr>
+          <p:nvPr>
+            <p:ph type="title"/>
+          </p:nvPr>
+        </p:nvSpPr>
+        <p:spPr>
+          <a:xfrm>
+            <a:off x="1429072" y="365760"/>
+            <a:ext cx="6262783" cy="548640"/>
+          </a:xfrm>
+        </p:spPr>
+        <p:txBody>
+          <a:bodyPr/>
+          <a:lstStyle/>
+          <a:p>
+            <a:r>
+              <a:rPr lang="en-US" dirty="0" smtClean="0"/>
+              <a:t>Logistic regression: comparisons</a:t>
+            </a:r>
+            <a:endParaRPr lang="en-US" dirty="0"/>
+          </a:p>
+        </p:txBody>
+      </p:sp>
+      <p:sp>
+        <p:nvSpPr>
+          <p:cNvPr id="3" name="Content Placeholder 2"/>
+          <p:cNvSpPr>
+            <a:spLocks noGrp="1"/>
+          </p:cNvSpPr>
+          <p:nvPr>
+            <p:ph idx="1"/>
+          </p:nvPr>
+        </p:nvSpPr>
+        <p:spPr>
+          <a:xfrm>
+            <a:off x="822960" y="1100628"/>
+            <a:ext cx="7520940" cy="3863395"/>
+          </a:xfrm>
+        </p:spPr>
+        <p:txBody>
+          <a:bodyPr>
+            <a:normAutofit fontScale="85000" lnSpcReduction="10000"/>
+          </a:bodyPr>
+          <a:lstStyle/>
+          <a:p>
+            <a:pPr>
+              <a:buFont typeface="Arial"/>
+              <a:buChar char="•"/>
+            </a:pPr>
+            <a:r>
+              <a:rPr lang="en-US" sz="2400" dirty="0" smtClean="0"/>
+              <a:t>The </a:t>
+            </a:r>
+            <a:r>
+              <a:rPr lang="en-US" sz="2400" dirty="0"/>
+              <a:t>original researchers </a:t>
+            </a:r>
+            <a:r>
+              <a:rPr lang="en-US" sz="2400" dirty="0" smtClean="0"/>
+              <a:t>found </a:t>
+            </a:r>
+            <a:r>
+              <a:rPr lang="en-US" sz="2400" dirty="0"/>
+              <a:t>medical specialty of “none” to have the highest coefficient. </a:t>
+            </a:r>
+            <a:endParaRPr lang="en-US" sz="2400" dirty="0" smtClean="0"/>
+          </a:p>
+          <a:p>
+            <a:pPr>
+              <a:buFont typeface="Arial"/>
+              <a:buChar char="•"/>
+            </a:pPr>
+            <a:endParaRPr lang="en-US" sz="1000" dirty="0" smtClean="0"/>
+          </a:p>
+          <a:p>
+            <a:pPr>
+              <a:buFont typeface="Arial"/>
+              <a:buChar char="•"/>
+            </a:pPr>
+            <a:r>
+              <a:rPr lang="en-US" sz="2400" dirty="0" smtClean="0"/>
+              <a:t>They </a:t>
+            </a:r>
+            <a:r>
+              <a:rPr lang="en-US" sz="2400" dirty="0"/>
+              <a:t>also found discharge disposition ID of “other” as second </a:t>
+            </a:r>
+            <a:r>
+              <a:rPr lang="en-US" sz="2400" dirty="0" smtClean="0"/>
+              <a:t>highest.</a:t>
+            </a:r>
+          </a:p>
+          <a:p>
+            <a:pPr lvl="2">
+              <a:buFont typeface="Arial"/>
+              <a:buChar char="•"/>
+            </a:pPr>
+            <a:r>
+              <a:rPr lang="en-US" sz="2400" dirty="0" smtClean="0"/>
+              <a:t>aligns </a:t>
+            </a:r>
+            <a:r>
+              <a:rPr lang="en-US" sz="2400" dirty="0"/>
+              <a:t>with some combination of my third and </a:t>
+            </a:r>
+            <a:r>
+              <a:rPr lang="en-US" sz="2400" dirty="0" smtClean="0"/>
+              <a:t>fourth coefficients </a:t>
+            </a:r>
+          </a:p>
+          <a:p>
+            <a:pPr lvl="2">
+              <a:buFont typeface="Arial"/>
+              <a:buChar char="•"/>
+            </a:pPr>
+            <a:endParaRPr lang="en-US" sz="1100" dirty="0" smtClean="0"/>
+          </a:p>
+          <a:p>
+            <a:pPr>
+              <a:buFont typeface="Arial"/>
+              <a:buChar char="•"/>
+            </a:pPr>
+            <a:r>
+              <a:rPr lang="en-US" sz="2400" dirty="0" smtClean="0"/>
+              <a:t>They also categorized </a:t>
+            </a:r>
+            <a:r>
+              <a:rPr lang="en-US" sz="2400" dirty="0"/>
+              <a:t>discharge IDs into “home” and “other” but did not offer more information </a:t>
+            </a:r>
+            <a:r>
+              <a:rPr lang="en-US" sz="2400" dirty="0" smtClean="0"/>
+              <a:t>on categorizing </a:t>
+            </a:r>
+            <a:r>
+              <a:rPr lang="en-US" sz="2400" dirty="0"/>
+              <a:t>ID numbers from the original </a:t>
+            </a:r>
+            <a:r>
+              <a:rPr lang="en-US" sz="2400" dirty="0" smtClean="0"/>
+              <a:t>data</a:t>
+            </a:r>
+          </a:p>
+          <a:p>
+            <a:pPr>
+              <a:buFont typeface="Arial"/>
+              <a:buChar char="•"/>
+            </a:pPr>
+            <a:endParaRPr lang="en-US" sz="1200" dirty="0" smtClean="0"/>
+          </a:p>
+          <a:p>
+            <a:pPr>
+              <a:buFont typeface="Arial"/>
+              <a:buChar char="•"/>
+            </a:pPr>
+            <a:r>
+              <a:rPr lang="en-US" sz="2400" dirty="0" smtClean="0">
+                <a:effectLst/>
+              </a:rPr>
+              <a:t>HbA1c was associated with not being readmitted within 30 days, but it was not a top predictor in my model.</a:t>
+            </a:r>
+            <a:endParaRPr lang="en-US" sz="2400" dirty="0">
+              <a:effectLst/>
+            </a:endParaRPr>
+          </a:p>
+        </p:txBody>
+      </p:sp>
+    </p:spTree>
+    <p:extLst>
+      <p:ext uri="{BB962C8B-B14F-4D97-AF65-F5344CB8AC3E}">
+        <p14:creationId xmlns:p14="http://schemas.microsoft.com/office/powerpoint/2010/main" val="3790951351"/>
+      </p:ext>
+    </p:extLst>
+  </p:cSld>
+  <p:clrMapOvr>
+    <a:masterClrMapping/>
+  </p:clrMapOvr>
+</p:sld>
+</file>
+
+<file path=ppt/slides/slide17.xml><?xml version="1.0" encoding="utf-8"?>
+<p:sld xmlns:a="http://schemas.openxmlformats.org/drawingml/2006/main" xmlns:r="http://schemas.openxmlformats.org/officeDocument/2006/relationships" xmlns:p="http://schemas.openxmlformats.org/presentationml/2006/main">
+  <p:cSld>
+    <p:spTree>
+      <p:nvGrpSpPr>
+        <p:cNvPr id="1" name=""/>
+        <p:cNvGrpSpPr/>
+        <p:nvPr/>
+      </p:nvGrpSpPr>
+      <p:grpSpPr>
+        <a:xfrm>
+          <a:off x="0" y="0"/>
+          <a:ext cx="0" cy="0"/>
+          <a:chOff x="0" y="0"/>
+          <a:chExt cx="0" cy="0"/>
+        </a:xfrm>
+      </p:grpSpPr>
+      <p:sp>
+        <p:nvSpPr>
+          <p:cNvPr id="2" name="Title 1"/>
+          <p:cNvSpPr>
+            <a:spLocks noGrp="1"/>
+          </p:cNvSpPr>
+          <p:nvPr>
+            <p:ph type="title"/>
+          </p:nvPr>
+        </p:nvSpPr>
+        <p:spPr/>
+        <p:txBody>
+          <a:bodyPr/>
+          <a:lstStyle/>
+          <a:p>
+            <a:pPr algn="ctr"/>
+            <a:r>
+              <a:rPr lang="en-US" dirty="0" smtClean="0"/>
+              <a:t>Checking imbalance corrections</a:t>
+            </a:r>
+            <a:endParaRPr lang="en-US" dirty="0"/>
+          </a:p>
+        </p:txBody>
+      </p:sp>
+      <p:sp>
+        <p:nvSpPr>
+          <p:cNvPr id="3" name="Content Placeholder 2"/>
+          <p:cNvSpPr>
+            <a:spLocks noGrp="1"/>
+          </p:cNvSpPr>
+          <p:nvPr>
+            <p:ph idx="1"/>
+          </p:nvPr>
+        </p:nvSpPr>
+        <p:spPr>
+          <a:xfrm>
+            <a:off x="461800" y="1100629"/>
+            <a:ext cx="8326830" cy="1020626"/>
+          </a:xfrm>
+        </p:spPr>
+        <p:txBody>
+          <a:bodyPr>
+            <a:normAutofit/>
+          </a:bodyPr>
+          <a:lstStyle/>
+          <a:p>
+            <a:pPr>
+              <a:buFont typeface="Arial"/>
+              <a:buChar char="•"/>
+            </a:pPr>
+            <a:r>
+              <a:rPr lang="en-US" sz="2400" dirty="0"/>
+              <a:t>R</a:t>
+            </a:r>
+            <a:r>
+              <a:rPr lang="en-US" sz="2400" dirty="0" smtClean="0"/>
+              <a:t>andom undersampling and SMOTE on loops of 10 samples</a:t>
+            </a:r>
+          </a:p>
+          <a:p>
+            <a:pPr lvl="2">
+              <a:buFont typeface="Arial"/>
+              <a:buChar char="•"/>
+            </a:pPr>
+            <a:r>
+              <a:rPr lang="en-US" sz="2400" dirty="0" smtClean="0"/>
+              <a:t>   Finding true positive and true negative rates each time</a:t>
+            </a:r>
+            <a:endParaRPr lang="en-US" sz="2400" dirty="0"/>
+          </a:p>
+        </p:txBody>
+      </p:sp>
+      <p:pic>
+        <p:nvPicPr>
+          <p:cNvPr id="4" name="Picture 3"/>
+          <p:cNvPicPr/>
+          <p:nvPr/>
+        </p:nvPicPr>
+        <p:blipFill>
+          <a:blip r:embed="rId2">
+            <a:extLst>
+              <a:ext uri="{28A0092B-C50C-407E-A947-70E740481C1C}">
+                <a14:useLocalDpi xmlns:a14="http://schemas.microsoft.com/office/drawing/2010/main" val="0"/>
+              </a:ext>
+            </a:extLst>
+          </a:blip>
+          <a:stretch>
+            <a:fillRect/>
+          </a:stretch>
+        </p:blipFill>
+        <p:spPr>
+          <a:xfrm>
+            <a:off x="1957820" y="2130425"/>
+            <a:ext cx="5214511" cy="3988022"/>
+          </a:xfrm>
+          <a:prstGeom prst="rect">
+            <a:avLst/>
+          </a:prstGeom>
+        </p:spPr>
+      </p:pic>
     </p:spTree>
     <p:extLst>
       <p:ext uri="{BB962C8B-B14F-4D97-AF65-F5344CB8AC3E}">
         <p14:creationId xmlns:p14="http://schemas.microsoft.com/office/powerpoint/2010/main" val="2499039941"/>
+      </p:ext>
+    </p:extLst>
+  </p:cSld>
+  <p:clrMapOvr>
+    <a:masterClrMapping/>
+  </p:clrMapOvr>
+</p:sld>
+</file>
+
+<file path=ppt/slides/slide18.xml><?xml version="1.0" encoding="utf-8"?>
+<p:sld xmlns:a="http://schemas.openxmlformats.org/drawingml/2006/main" xmlns:r="http://schemas.openxmlformats.org/officeDocument/2006/relationships" xmlns:p="http://schemas.openxmlformats.org/presentationml/2006/main">
+  <p:cSld>
+    <p:spTree>
+      <p:nvGrpSpPr>
+        <p:cNvPr id="1" name=""/>
+        <p:cNvGrpSpPr/>
+        <p:nvPr/>
+      </p:nvGrpSpPr>
+      <p:grpSpPr>
+        <a:xfrm>
+          <a:off x="0" y="0"/>
+          <a:ext cx="0" cy="0"/>
+          <a:chOff x="0" y="0"/>
+          <a:chExt cx="0" cy="0"/>
+        </a:xfrm>
+      </p:grpSpPr>
+      <p:sp>
+        <p:nvSpPr>
+          <p:cNvPr id="2" name="Title 1"/>
+          <p:cNvSpPr>
+            <a:spLocks noGrp="1"/>
+          </p:cNvSpPr>
+          <p:nvPr>
+            <p:ph type="title"/>
+          </p:nvPr>
+        </p:nvSpPr>
+        <p:spPr/>
+        <p:txBody>
+          <a:bodyPr/>
+          <a:lstStyle/>
+          <a:p>
+            <a:pPr algn="ctr"/>
+            <a:r>
+              <a:rPr lang="en-US" dirty="0" smtClean="0"/>
+              <a:t>Tree-based methods: random forests</a:t>
+            </a:r>
+            <a:endParaRPr lang="en-US" dirty="0"/>
+          </a:p>
+        </p:txBody>
+      </p:sp>
+      <p:sp>
+        <p:nvSpPr>
+          <p:cNvPr id="3" name="Content Placeholder 2"/>
+          <p:cNvSpPr>
+            <a:spLocks noGrp="1"/>
+          </p:cNvSpPr>
+          <p:nvPr>
+            <p:ph idx="1"/>
+          </p:nvPr>
+        </p:nvSpPr>
+        <p:spPr/>
+        <p:txBody>
+          <a:bodyPr>
+            <a:normAutofit/>
+          </a:bodyPr>
+          <a:lstStyle/>
+          <a:p>
+            <a:pPr>
+              <a:buFont typeface="Arial"/>
+              <a:buChar char="•"/>
+            </a:pPr>
+            <a:r>
+              <a:rPr lang="en-US" sz="2400" dirty="0" smtClean="0"/>
+              <a:t>Initial model used weights for classes of dependent variable</a:t>
+            </a:r>
+          </a:p>
+          <a:p>
+            <a:pPr lvl="2">
+              <a:buFont typeface="Arial"/>
+              <a:buChar char="•"/>
+            </a:pPr>
+            <a:r>
+              <a:rPr lang="en-US" sz="2400" dirty="0" smtClean="0"/>
+              <a:t> Results were poor, similar to logistic regression</a:t>
+            </a:r>
+          </a:p>
+          <a:p>
+            <a:pPr marL="237744" lvl="2" indent="0">
+              <a:buNone/>
+            </a:pPr>
+            <a:endParaRPr lang="en-US" sz="2400" dirty="0" smtClean="0"/>
+          </a:p>
+          <a:p>
+            <a:pPr>
+              <a:buFont typeface="Arial"/>
+              <a:buChar char="•"/>
+            </a:pPr>
+            <a:r>
+              <a:rPr lang="en-US" sz="2400" dirty="0" smtClean="0"/>
+              <a:t>Global </a:t>
+            </a:r>
+            <a:r>
+              <a:rPr lang="en-US" sz="2400" dirty="0"/>
+              <a:t>accuracy of 90.84</a:t>
+            </a:r>
+            <a:r>
+              <a:rPr lang="en-US" sz="2400" dirty="0" smtClean="0"/>
+              <a:t>%, but precision </a:t>
+            </a:r>
+            <a:r>
+              <a:rPr lang="en-US" sz="2400" dirty="0"/>
+              <a:t>and recall </a:t>
+            </a:r>
+            <a:r>
+              <a:rPr lang="en-US" sz="2400" dirty="0" smtClean="0"/>
+              <a:t>were </a:t>
+            </a:r>
+            <a:r>
+              <a:rPr lang="en-US" sz="2400" dirty="0"/>
+              <a:t>25.3% and 1.6%, respectively. </a:t>
+            </a:r>
+            <a:endParaRPr lang="en-US" sz="2400" dirty="0" smtClean="0"/>
+          </a:p>
+          <a:p>
+            <a:pPr marL="0" indent="0"/>
+            <a:endParaRPr lang="en-US" sz="2400" dirty="0" smtClean="0"/>
+          </a:p>
+          <a:p>
+            <a:pPr>
+              <a:buFont typeface="Arial"/>
+              <a:buChar char="•"/>
+            </a:pPr>
+            <a:r>
+              <a:rPr lang="en-US" sz="2400" dirty="0" smtClean="0"/>
+              <a:t>Used random undersampling and SMOTE again</a:t>
+            </a:r>
+            <a:endParaRPr lang="en-US" sz="2400" dirty="0"/>
+          </a:p>
+        </p:txBody>
+      </p:sp>
+    </p:spTree>
+    <p:extLst>
+      <p:ext uri="{BB962C8B-B14F-4D97-AF65-F5344CB8AC3E}">
+        <p14:creationId xmlns:p14="http://schemas.microsoft.com/office/powerpoint/2010/main" val="1176517333"/>
+      </p:ext>
+    </p:extLst>
+  </p:cSld>
+  <p:clrMapOvr>
+    <a:masterClrMapping/>
+  </p:clrMapOvr>
+</p:sld>
+</file>
+
+<file path=ppt/slides/slide19.xml><?xml version="1.0" encoding="utf-8"?>
+<p:sld xmlns:a="http://schemas.openxmlformats.org/drawingml/2006/main" xmlns:r="http://schemas.openxmlformats.org/officeDocument/2006/relationships" xmlns:p="http://schemas.openxmlformats.org/presentationml/2006/main">
+  <p:cSld>
+    <p:spTree>
+      <p:nvGrpSpPr>
+        <p:cNvPr id="1" name=""/>
+        <p:cNvGrpSpPr/>
+        <p:nvPr/>
+      </p:nvGrpSpPr>
+      <p:grpSpPr>
+        <a:xfrm>
+          <a:off x="0" y="0"/>
+          <a:ext cx="0" cy="0"/>
+          <a:chOff x="0" y="0"/>
+          <a:chExt cx="0" cy="0"/>
+        </a:xfrm>
+      </p:grpSpPr>
+      <p:sp>
+        <p:nvSpPr>
+          <p:cNvPr id="2" name="Title 1"/>
+          <p:cNvSpPr>
+            <a:spLocks noGrp="1"/>
+          </p:cNvSpPr>
+          <p:nvPr>
+            <p:ph type="title"/>
+          </p:nvPr>
+        </p:nvSpPr>
+        <p:spPr/>
+        <p:txBody>
+          <a:bodyPr/>
+          <a:lstStyle/>
+          <a:p>
+            <a:pPr algn="ctr"/>
+            <a:r>
+              <a:rPr lang="en-US" dirty="0" smtClean="0"/>
+              <a:t>random forests: tuning parameters</a:t>
+            </a:r>
+            <a:endParaRPr lang="en-US" dirty="0"/>
+          </a:p>
+        </p:txBody>
+      </p:sp>
+      <p:sp>
+        <p:nvSpPr>
+          <p:cNvPr id="3" name="Content Placeholder 2"/>
+          <p:cNvSpPr>
+            <a:spLocks noGrp="1"/>
+          </p:cNvSpPr>
+          <p:nvPr>
+            <p:ph idx="1"/>
+          </p:nvPr>
+        </p:nvSpPr>
+        <p:spPr>
+          <a:xfrm>
+            <a:off x="476231" y="1100629"/>
+            <a:ext cx="8384555" cy="1323662"/>
+          </a:xfrm>
+        </p:spPr>
+        <p:txBody>
+          <a:bodyPr>
+            <a:normAutofit/>
+          </a:bodyPr>
+          <a:lstStyle/>
+          <a:p>
+            <a:pPr>
+              <a:buFont typeface="Arial"/>
+              <a:buChar char="•"/>
+            </a:pPr>
+            <a:r>
+              <a:rPr lang="en-US" sz="2400" dirty="0"/>
+              <a:t>E</a:t>
+            </a:r>
+            <a:r>
+              <a:rPr lang="en-US" sz="2400" dirty="0" smtClean="0"/>
+              <a:t>xamine number of estimators (65), maximum number of variables (log2), and maximum tree depth (7)</a:t>
+            </a:r>
+          </a:p>
+          <a:p>
+            <a:pPr lvl="2">
+              <a:buFont typeface="Arial"/>
+              <a:buChar char="•"/>
+            </a:pPr>
+            <a:r>
+              <a:rPr lang="en-US" sz="2400" dirty="0" smtClean="0"/>
+              <a:t> Out-of-bag (OOB) error as metric</a:t>
+            </a:r>
+          </a:p>
+        </p:txBody>
+      </p:sp>
+      <p:pic>
+        <p:nvPicPr>
+          <p:cNvPr id="4" name="Picture 3" descr="Macintosh HD:Users:alex:Desktop:Screen Shot 2017-09-20 at 11.33.51 AM.png"/>
+          <p:cNvPicPr/>
+          <p:nvPr/>
+        </p:nvPicPr>
+        <p:blipFill>
+          <a:blip r:embed="rId2">
+            <a:extLst>
+              <a:ext uri="{28A0092B-C50C-407E-A947-70E740481C1C}">
+                <a14:useLocalDpi xmlns:a14="http://schemas.microsoft.com/office/drawing/2010/main" val="0"/>
+              </a:ext>
+            </a:extLst>
+          </a:blip>
+          <a:srcRect/>
+          <a:stretch>
+            <a:fillRect/>
+          </a:stretch>
+        </p:blipFill>
+        <p:spPr bwMode="auto">
+          <a:xfrm>
+            <a:off x="1847479" y="2655662"/>
+            <a:ext cx="5425869" cy="3664809"/>
+          </a:xfrm>
+          <a:prstGeom prst="rect">
+            <a:avLst/>
+          </a:prstGeom>
+          <a:noFill/>
+          <a:ln>
+            <a:noFill/>
+          </a:ln>
+        </p:spPr>
+      </p:pic>
+    </p:spTree>
+    <p:extLst>
+      <p:ext uri="{BB962C8B-B14F-4D97-AF65-F5344CB8AC3E}">
+        <p14:creationId xmlns:p14="http://schemas.microsoft.com/office/powerpoint/2010/main" val="1669314479"/>
       </p:ext>
     </p:extLst>
   </p:cSld>
@@ -5592,15 +7221,7 @@
             </a:r>
             <a:r>
               <a:rPr lang="en-US" sz="2400" dirty="0"/>
-              <a:t>of HbA1c (</a:t>
-            </a:r>
-            <a:r>
-              <a:rPr lang="en-US" sz="2400" dirty="0" err="1"/>
-              <a:t>glycated</a:t>
-            </a:r>
-            <a:r>
-              <a:rPr lang="en-US" sz="2400" dirty="0"/>
-              <a:t> </a:t>
+              <a:t>of HbA1c (glycated </a:t>
             </a:r>
             <a:r>
               <a:rPr lang="en-US" sz="2400" dirty="0" smtClean="0"/>
@@ -5652,6 +7273,1289 @@
       </p:par>
     </p:tnLst>
   </p:timing>
+</p:sld>
+</file>
+
+<file path=ppt/slides/slide20.xml><?xml version="1.0" encoding="utf-8"?>
+<p:sld xmlns:a="http://schemas.openxmlformats.org/drawingml/2006/main" xmlns:r="http://schemas.openxmlformats.org/officeDocument/2006/relationships" xmlns:p="http://schemas.openxmlformats.org/presentationml/2006/main">
+  <p:cSld>
+    <p:spTree>
+      <p:nvGrpSpPr>
+        <p:cNvPr id="1" name=""/>
+        <p:cNvGrpSpPr/>
+        <p:nvPr/>
+      </p:nvGrpSpPr>
+      <p:grpSpPr>
+        <a:xfrm>
+          <a:off x="0" y="0"/>
+          <a:ext cx="0" cy="0"/>
+          <a:chOff x="0" y="0"/>
+          <a:chExt cx="0" cy="0"/>
+        </a:xfrm>
+      </p:grpSpPr>
+      <p:sp>
+        <p:nvSpPr>
+          <p:cNvPr id="2" name="Title 1"/>
+          <p:cNvSpPr>
+            <a:spLocks noGrp="1"/>
+          </p:cNvSpPr>
+          <p:nvPr>
+            <p:ph type="title"/>
+          </p:nvPr>
+        </p:nvSpPr>
+        <p:spPr>
+          <a:xfrm>
+            <a:off x="693078" y="365760"/>
+            <a:ext cx="7734771" cy="548640"/>
+          </a:xfrm>
+        </p:spPr>
+        <p:txBody>
+          <a:bodyPr/>
+          <a:lstStyle/>
+          <a:p>
+            <a:pPr algn="ctr"/>
+            <a:r>
+              <a:rPr lang="en-US" dirty="0" smtClean="0"/>
+              <a:t>random forests: results</a:t>
+            </a:r>
+            <a:endParaRPr lang="en-US" dirty="0"/>
+          </a:p>
+        </p:txBody>
+      </p:sp>
+      <p:sp>
+        <p:nvSpPr>
+          <p:cNvPr id="3" name="Content Placeholder 2"/>
+          <p:cNvSpPr>
+            <a:spLocks noGrp="1"/>
+          </p:cNvSpPr>
+          <p:nvPr>
+            <p:ph idx="1"/>
+          </p:nvPr>
+        </p:nvSpPr>
+        <p:spPr>
+          <a:xfrm>
+            <a:off x="476231" y="1100629"/>
+            <a:ext cx="8384555" cy="558855"/>
+          </a:xfrm>
+        </p:spPr>
+        <p:txBody>
+          <a:bodyPr>
+            <a:normAutofit/>
+          </a:bodyPr>
+          <a:lstStyle/>
+          <a:p>
+            <a:pPr>
+              <a:buFont typeface="Arial"/>
+              <a:buChar char="•"/>
+            </a:pPr>
+            <a:r>
+              <a:rPr lang="en-US" sz="2400" dirty="0" smtClean="0"/>
+              <a:t>Random forest measures importance with Gini importance.</a:t>
+            </a:r>
+          </a:p>
+        </p:txBody>
+      </p:sp>
+      <p:graphicFrame>
+        <p:nvGraphicFramePr>
+          <p:cNvPr id="6" name="Table 5"/>
+          <p:cNvGraphicFramePr>
+            <a:graphicFrameLocks noGrp="1"/>
+          </p:cNvGraphicFramePr>
+          <p:nvPr>
+            <p:extLst>
+              <p:ext uri="{D42A27DB-BD31-4B8C-83A1-F6EECF244321}">
+                <p14:modId xmlns:p14="http://schemas.microsoft.com/office/powerpoint/2010/main" val="2420220914"/>
+              </p:ext>
+            </p:extLst>
+          </p:nvPr>
+        </p:nvGraphicFramePr>
+        <p:xfrm>
+          <a:off x="2150635" y="1937137"/>
+          <a:ext cx="4820038" cy="2829006"/>
+        </p:xfrm>
+        <a:graphic>
+          <a:graphicData uri="http://schemas.openxmlformats.org/drawingml/2006/table">
+            <a:tbl>
+              <a:tblPr firstRow="1" bandRow="1">
+                <a:tableStyleId>{8A107856-5554-42FB-B03E-39F5DBC370BA}</a:tableStyleId>
+              </a:tblPr>
+              <a:tblGrid>
+                <a:gridCol w="3030184"/>
+                <a:gridCol w="1789854"/>
+              </a:tblGrid>
+              <a:tr h="471501">
+                <a:tc>
+                  <a:txBody>
+                    <a:bodyPr/>
+                    <a:lstStyle/>
+                    <a:p>
+                      <a:pPr marL="0" marR="0" algn="ctr">
+                        <a:lnSpc>
+                          <a:spcPct val="115000"/>
+                        </a:lnSpc>
+                        <a:spcBef>
+                          <a:spcPts val="0"/>
+                        </a:spcBef>
+                        <a:spcAft>
+                          <a:spcPts val="0"/>
+                        </a:spcAft>
+                      </a:pPr>
+                      <a:r>
+                        <a:rPr lang="en-US" sz="1800" b="1" kern="1200" dirty="0" smtClean="0">
+                          <a:solidFill>
+                            <a:schemeClr val="dk1"/>
+                          </a:solidFill>
+                          <a:effectLst/>
+                          <a:latin typeface="Franklin Gothic Book"/>
+                          <a:ea typeface="+mn-ea"/>
+                          <a:cs typeface="Franklin Gothic Book"/>
+                        </a:rPr>
+                        <a:t>Variable</a:t>
+                      </a:r>
+                      <a:endParaRPr lang="en-US" sz="1800" b="1" dirty="0">
+                        <a:effectLst/>
+                        <a:latin typeface="Franklin Gothic Book"/>
+                        <a:ea typeface="ＭＳ 明朝"/>
+                        <a:cs typeface="Franklin Gothic Book"/>
+                      </a:endParaRPr>
+                    </a:p>
+                  </a:txBody>
+                  <a:tcPr marL="68580" marR="68580" marT="0" marB="0" anchor="ctr"/>
+                </a:tc>
+                <a:tc>
+                  <a:txBody>
+                    <a:bodyPr/>
+                    <a:lstStyle/>
+                    <a:p>
+                      <a:pPr marL="0" marR="0" algn="ctr">
+                        <a:lnSpc>
+                          <a:spcPct val="115000"/>
+                        </a:lnSpc>
+                        <a:spcBef>
+                          <a:spcPts val="0"/>
+                        </a:spcBef>
+                        <a:spcAft>
+                          <a:spcPts val="0"/>
+                        </a:spcAft>
+                      </a:pPr>
+                      <a:r>
+                        <a:rPr lang="en-US" sz="1800" kern="1200" dirty="0" smtClean="0">
+                          <a:solidFill>
+                            <a:schemeClr val="dk1"/>
+                          </a:solidFill>
+                          <a:effectLst/>
+                          <a:latin typeface="Franklin Gothic Book"/>
+                          <a:ea typeface="+mn-ea"/>
+                          <a:cs typeface="Franklin Gothic Book"/>
+                        </a:rPr>
+                        <a:t>Importance</a:t>
+                      </a:r>
+                      <a:endParaRPr lang="en-US" sz="1800" dirty="0">
+                        <a:effectLst/>
+                        <a:latin typeface="Franklin Gothic Book"/>
+                        <a:ea typeface="ＭＳ 明朝"/>
+                        <a:cs typeface="Franklin Gothic Book"/>
+                      </a:endParaRPr>
+                    </a:p>
+                  </a:txBody>
+                  <a:tcPr marL="68580" marR="68580" marT="0" marB="0" anchor="ctr"/>
+                </a:tc>
+              </a:tr>
+              <a:tr h="471501">
+                <a:tc>
+                  <a:txBody>
+                    <a:bodyPr/>
+                    <a:lstStyle/>
+                    <a:p>
+                      <a:pPr marL="0" marR="0">
+                        <a:lnSpc>
+                          <a:spcPct val="150000"/>
+                        </a:lnSpc>
+                        <a:spcBef>
+                          <a:spcPts val="0"/>
+                        </a:spcBef>
+                        <a:spcAft>
+                          <a:spcPts val="0"/>
+                        </a:spcAft>
+                      </a:pPr>
+                      <a:r>
+                        <a:rPr lang="en-US" sz="1800" b="0" dirty="0">
+                          <a:effectLst/>
+                          <a:latin typeface="Franklin Gothic Book"/>
+                          <a:ea typeface="Times New Roman"/>
+                          <a:cs typeface="Franklin Gothic Book"/>
+                        </a:rPr>
+                        <a:t>num_visits</a:t>
+                      </a:r>
+                      <a:endParaRPr lang="en-US" sz="1800" b="0" dirty="0">
+                        <a:effectLst/>
+                        <a:latin typeface="Franklin Gothic Book"/>
+                        <a:ea typeface="ＭＳ 明朝"/>
+                        <a:cs typeface="Franklin Gothic Book"/>
+                      </a:endParaRPr>
+                    </a:p>
+                  </a:txBody>
+                  <a:tcPr marL="68580" marR="68580" marT="0" marB="0" anchor="ctr"/>
+                </a:tc>
+                <a:tc>
+                  <a:txBody>
+                    <a:bodyPr/>
+                    <a:lstStyle/>
+                    <a:p>
+                      <a:pPr marL="0" marR="0">
+                        <a:lnSpc>
+                          <a:spcPct val="150000"/>
+                        </a:lnSpc>
+                        <a:spcBef>
+                          <a:spcPts val="0"/>
+                        </a:spcBef>
+                        <a:spcAft>
+                          <a:spcPts val="0"/>
+                        </a:spcAft>
+                      </a:pPr>
+                      <a:r>
+                        <a:rPr lang="en-US" sz="1800" b="0" dirty="0">
+                          <a:effectLst/>
+                          <a:latin typeface="Franklin Gothic Book"/>
+                          <a:ea typeface="Times New Roman"/>
+                          <a:cs typeface="Franklin Gothic Book"/>
+                        </a:rPr>
+                        <a:t>0.2438</a:t>
+                      </a:r>
+                      <a:endParaRPr lang="en-US" sz="1800" b="0" dirty="0">
+                        <a:effectLst/>
+                        <a:latin typeface="Franklin Gothic Book"/>
+                        <a:ea typeface="ＭＳ 明朝"/>
+                        <a:cs typeface="Franklin Gothic Book"/>
+                      </a:endParaRPr>
+                    </a:p>
+                  </a:txBody>
+                  <a:tcPr marL="68580" marR="68580" marT="0" marB="0" anchor="ctr"/>
+                </a:tc>
+              </a:tr>
+              <a:tr h="471501">
+                <a:tc>
+                  <a:txBody>
+                    <a:bodyPr/>
+                    <a:lstStyle/>
+                    <a:p>
+                      <a:pPr marL="0" marR="0">
+                        <a:lnSpc>
+                          <a:spcPct val="150000"/>
+                        </a:lnSpc>
+                        <a:spcBef>
+                          <a:spcPts val="0"/>
+                        </a:spcBef>
+                        <a:spcAft>
+                          <a:spcPts val="0"/>
+                        </a:spcAft>
+                      </a:pPr>
+                      <a:r>
+                        <a:rPr lang="en-US" sz="1800" b="0" dirty="0">
+                          <a:effectLst/>
+                          <a:latin typeface="Franklin Gothic Book"/>
+                          <a:ea typeface="Times New Roman"/>
+                          <a:cs typeface="Franklin Gothic Book"/>
+                        </a:rPr>
+                        <a:t>race_Caucasian</a:t>
+                      </a:r>
+                      <a:endParaRPr lang="en-US" sz="1800" b="0" dirty="0">
+                        <a:effectLst/>
+                        <a:latin typeface="Franklin Gothic Book"/>
+                        <a:ea typeface="ＭＳ 明朝"/>
+                        <a:cs typeface="Franklin Gothic Book"/>
+                      </a:endParaRPr>
+                    </a:p>
+                  </a:txBody>
+                  <a:tcPr marL="68580" marR="68580" marT="0" marB="0" anchor="ctr"/>
+                </a:tc>
+                <a:tc>
+                  <a:txBody>
+                    <a:bodyPr/>
+                    <a:lstStyle/>
+                    <a:p>
+                      <a:pPr marL="0" marR="0">
+                        <a:lnSpc>
+                          <a:spcPct val="150000"/>
+                        </a:lnSpc>
+                        <a:spcBef>
+                          <a:spcPts val="0"/>
+                        </a:spcBef>
+                        <a:spcAft>
+                          <a:spcPts val="0"/>
+                        </a:spcAft>
+                      </a:pPr>
+                      <a:r>
+                        <a:rPr lang="en-US" sz="1800" b="0" dirty="0">
+                          <a:effectLst/>
+                          <a:latin typeface="Franklin Gothic Book"/>
+                          <a:ea typeface="Times New Roman"/>
+                          <a:cs typeface="Franklin Gothic Book"/>
+                        </a:rPr>
+                        <a:t>0.0452</a:t>
+                      </a:r>
+                      <a:endParaRPr lang="en-US" sz="1800" b="0" dirty="0">
+                        <a:effectLst/>
+                        <a:latin typeface="Franklin Gothic Book"/>
+                        <a:ea typeface="ＭＳ 明朝"/>
+                        <a:cs typeface="Franklin Gothic Book"/>
+                      </a:endParaRPr>
+                    </a:p>
+                  </a:txBody>
+                  <a:tcPr marL="68580" marR="68580" marT="0" marB="0" anchor="ctr"/>
+                </a:tc>
+              </a:tr>
+              <a:tr h="471501">
+                <a:tc>
+                  <a:txBody>
+                    <a:bodyPr/>
+                    <a:lstStyle/>
+                    <a:p>
+                      <a:pPr marL="0" marR="0">
+                        <a:lnSpc>
+                          <a:spcPct val="150000"/>
+                        </a:lnSpc>
+                        <a:spcBef>
+                          <a:spcPts val="0"/>
+                        </a:spcBef>
+                        <a:spcAft>
+                          <a:spcPts val="0"/>
+                        </a:spcAft>
+                      </a:pPr>
+                      <a:r>
+                        <a:rPr lang="en-US" sz="1800" b="0" dirty="0">
+                          <a:effectLst/>
+                          <a:latin typeface="Franklin Gothic Book"/>
+                          <a:ea typeface="Times New Roman"/>
+                          <a:cs typeface="Franklin Gothic Book"/>
+                        </a:rPr>
+                        <a:t>admission_source_id_7</a:t>
+                      </a:r>
+                      <a:endParaRPr lang="en-US" sz="1800" b="0" dirty="0">
+                        <a:effectLst/>
+                        <a:latin typeface="Franklin Gothic Book"/>
+                        <a:ea typeface="ＭＳ 明朝"/>
+                        <a:cs typeface="Franklin Gothic Book"/>
+                      </a:endParaRPr>
+                    </a:p>
+                  </a:txBody>
+                  <a:tcPr marL="68580" marR="68580" marT="0" marB="0" anchor="ctr"/>
+                </a:tc>
+                <a:tc>
+                  <a:txBody>
+                    <a:bodyPr/>
+                    <a:lstStyle/>
+                    <a:p>
+                      <a:pPr marL="0" marR="0">
+                        <a:lnSpc>
+                          <a:spcPct val="150000"/>
+                        </a:lnSpc>
+                        <a:spcBef>
+                          <a:spcPts val="0"/>
+                        </a:spcBef>
+                        <a:spcAft>
+                          <a:spcPts val="0"/>
+                        </a:spcAft>
+                      </a:pPr>
+                      <a:r>
+                        <a:rPr lang="en-US" sz="1800" b="0" dirty="0">
+                          <a:effectLst/>
+                          <a:latin typeface="Franklin Gothic Book"/>
+                          <a:ea typeface="Times New Roman"/>
+                          <a:cs typeface="Franklin Gothic Book"/>
+                        </a:rPr>
+                        <a:t>0.0444</a:t>
+                      </a:r>
+                      <a:endParaRPr lang="en-US" sz="1800" b="0" dirty="0">
+                        <a:effectLst/>
+                        <a:latin typeface="Franklin Gothic Book"/>
+                        <a:ea typeface="ＭＳ 明朝"/>
+                        <a:cs typeface="Franklin Gothic Book"/>
+                      </a:endParaRPr>
+                    </a:p>
+                  </a:txBody>
+                  <a:tcPr marL="68580" marR="68580" marT="0" marB="0" anchor="ctr"/>
+                </a:tc>
+              </a:tr>
+              <a:tr h="471501">
+                <a:tc>
+                  <a:txBody>
+                    <a:bodyPr/>
+                    <a:lstStyle/>
+                    <a:p>
+                      <a:pPr marL="0" marR="0">
+                        <a:lnSpc>
+                          <a:spcPct val="150000"/>
+                        </a:lnSpc>
+                        <a:spcBef>
+                          <a:spcPts val="0"/>
+                        </a:spcBef>
+                        <a:spcAft>
+                          <a:spcPts val="0"/>
+                        </a:spcAft>
+                      </a:pPr>
+                      <a:r>
+                        <a:rPr lang="en-US" sz="1800" b="0" dirty="0">
+                          <a:effectLst/>
+                          <a:latin typeface="Franklin Gothic Book"/>
+                          <a:ea typeface="Times New Roman"/>
+                          <a:cs typeface="Franklin Gothic Book"/>
+                        </a:rPr>
+                        <a:t>number_inpatient</a:t>
+                      </a:r>
+                      <a:endParaRPr lang="en-US" sz="1800" b="0" dirty="0">
+                        <a:effectLst/>
+                        <a:latin typeface="Franklin Gothic Book"/>
+                        <a:ea typeface="ＭＳ 明朝"/>
+                        <a:cs typeface="Franklin Gothic Book"/>
+                      </a:endParaRPr>
+                    </a:p>
+                  </a:txBody>
+                  <a:tcPr marL="68580" marR="68580" marT="0" marB="0" anchor="ctr"/>
+                </a:tc>
+                <a:tc>
+                  <a:txBody>
+                    <a:bodyPr/>
+                    <a:lstStyle/>
+                    <a:p>
+                      <a:pPr marL="0" marR="0">
+                        <a:lnSpc>
+                          <a:spcPct val="150000"/>
+                        </a:lnSpc>
+                        <a:spcBef>
+                          <a:spcPts val="0"/>
+                        </a:spcBef>
+                        <a:spcAft>
+                          <a:spcPts val="0"/>
+                        </a:spcAft>
+                      </a:pPr>
+                      <a:r>
+                        <a:rPr lang="en-US" sz="1800" b="0" dirty="0">
+                          <a:effectLst/>
+                          <a:latin typeface="Franklin Gothic Book"/>
+                          <a:ea typeface="Times New Roman"/>
+                          <a:cs typeface="Franklin Gothic Book"/>
+                        </a:rPr>
+                        <a:t>0.0378</a:t>
+                      </a:r>
+                      <a:endParaRPr lang="en-US" sz="1800" b="0" dirty="0">
+                        <a:effectLst/>
+                        <a:latin typeface="Franklin Gothic Book"/>
+                        <a:ea typeface="ＭＳ 明朝"/>
+                        <a:cs typeface="Franklin Gothic Book"/>
+                      </a:endParaRPr>
+                    </a:p>
+                  </a:txBody>
+                  <a:tcPr marL="68580" marR="68580" marT="0" marB="0" anchor="ctr"/>
+                </a:tc>
+              </a:tr>
+              <a:tr h="471501">
+                <a:tc>
+                  <a:txBody>
+                    <a:bodyPr/>
+                    <a:lstStyle/>
+                    <a:p>
+                      <a:pPr marL="0" marR="0">
+                        <a:lnSpc>
+                          <a:spcPct val="150000"/>
+                        </a:lnSpc>
+                        <a:spcBef>
+                          <a:spcPts val="0"/>
+                        </a:spcBef>
+                        <a:spcAft>
+                          <a:spcPts val="0"/>
+                        </a:spcAft>
+                      </a:pPr>
+                      <a:r>
+                        <a:rPr lang="en-US" sz="1800" b="0" dirty="0">
+                          <a:effectLst/>
+                          <a:latin typeface="Franklin Gothic Book"/>
+                          <a:ea typeface="Times New Roman"/>
+                          <a:cs typeface="Franklin Gothic Book"/>
+                        </a:rPr>
+                        <a:t>third_diag_other</a:t>
+                      </a:r>
+                      <a:endParaRPr lang="en-US" sz="1800" b="0" dirty="0">
+                        <a:effectLst/>
+                        <a:latin typeface="Franklin Gothic Book"/>
+                        <a:ea typeface="ＭＳ 明朝"/>
+                        <a:cs typeface="Franklin Gothic Book"/>
+                      </a:endParaRPr>
+                    </a:p>
+                  </a:txBody>
+                  <a:tcPr marL="68580" marR="68580" marT="0" marB="0" anchor="ctr"/>
+                </a:tc>
+                <a:tc>
+                  <a:txBody>
+                    <a:bodyPr/>
+                    <a:lstStyle/>
+                    <a:p>
+                      <a:pPr marL="0" marR="0">
+                        <a:lnSpc>
+                          <a:spcPct val="150000"/>
+                        </a:lnSpc>
+                        <a:spcBef>
+                          <a:spcPts val="0"/>
+                        </a:spcBef>
+                        <a:spcAft>
+                          <a:spcPts val="0"/>
+                        </a:spcAft>
+                      </a:pPr>
+                      <a:r>
+                        <a:rPr lang="en-US" sz="1800" b="0" dirty="0">
+                          <a:effectLst/>
+                          <a:latin typeface="Franklin Gothic Book"/>
+                          <a:ea typeface="Times New Roman"/>
+                          <a:cs typeface="Franklin Gothic Book"/>
+                        </a:rPr>
+                        <a:t>0.0339</a:t>
+                      </a:r>
+                      <a:endParaRPr lang="en-US" sz="1800" b="0" dirty="0">
+                        <a:effectLst/>
+                        <a:latin typeface="Franklin Gothic Book"/>
+                        <a:ea typeface="ＭＳ 明朝"/>
+                        <a:cs typeface="Franklin Gothic Book"/>
+                      </a:endParaRPr>
+                    </a:p>
+                  </a:txBody>
+                  <a:tcPr marL="68580" marR="68580" marT="0" marB="0" anchor="ctr"/>
+                </a:tc>
+              </a:tr>
+            </a:tbl>
+          </a:graphicData>
+        </a:graphic>
+      </p:graphicFrame>
+    </p:spTree>
+    <p:extLst>
+      <p:ext uri="{BB962C8B-B14F-4D97-AF65-F5344CB8AC3E}">
+        <p14:creationId xmlns:p14="http://schemas.microsoft.com/office/powerpoint/2010/main" val="3024399884"/>
+      </p:ext>
+    </p:extLst>
+  </p:cSld>
+  <p:clrMapOvr>
+    <a:masterClrMapping/>
+  </p:clrMapOvr>
+</p:sld>
+</file>
+
+<file path=ppt/slides/slide21.xml><?xml version="1.0" encoding="utf-8"?>
+<p:sld xmlns:a="http://schemas.openxmlformats.org/drawingml/2006/main" xmlns:r="http://schemas.openxmlformats.org/officeDocument/2006/relationships" xmlns:p="http://schemas.openxmlformats.org/presentationml/2006/main">
+  <p:cSld>
+    <p:spTree>
+      <p:nvGrpSpPr>
+        <p:cNvPr id="1" name=""/>
+        <p:cNvGrpSpPr/>
+        <p:nvPr/>
+      </p:nvGrpSpPr>
+      <p:grpSpPr>
+        <a:xfrm>
+          <a:off x="0" y="0"/>
+          <a:ext cx="0" cy="0"/>
+          <a:chOff x="0" y="0"/>
+          <a:chExt cx="0" cy="0"/>
+        </a:xfrm>
+      </p:grpSpPr>
+      <p:sp>
+        <p:nvSpPr>
+          <p:cNvPr id="2" name="Title 1"/>
+          <p:cNvSpPr>
+            <a:spLocks noGrp="1"/>
+          </p:cNvSpPr>
+          <p:nvPr>
+            <p:ph type="title"/>
+          </p:nvPr>
+        </p:nvSpPr>
+        <p:spPr/>
+        <p:txBody>
+          <a:bodyPr/>
+          <a:lstStyle/>
+          <a:p>
+            <a:pPr algn="ctr"/>
+            <a:r>
+              <a:rPr lang="en-US" dirty="0" smtClean="0"/>
+              <a:t>Logistic regressi0n vs. random forest</a:t>
+            </a:r>
+            <a:endParaRPr lang="en-US" dirty="0"/>
+          </a:p>
+        </p:txBody>
+      </p:sp>
+      <p:sp>
+        <p:nvSpPr>
+          <p:cNvPr id="3" name="Content Placeholder 2"/>
+          <p:cNvSpPr>
+            <a:spLocks noGrp="1"/>
+          </p:cNvSpPr>
+          <p:nvPr>
+            <p:ph idx="1"/>
+          </p:nvPr>
+        </p:nvSpPr>
+        <p:spPr>
+          <a:xfrm>
+            <a:off x="822960" y="1100629"/>
+            <a:ext cx="7520940" cy="4267444"/>
+          </a:xfrm>
+        </p:spPr>
+        <p:txBody>
+          <a:bodyPr>
+            <a:normAutofit fontScale="92500" lnSpcReduction="10000"/>
+          </a:bodyPr>
+          <a:lstStyle/>
+          <a:p>
+            <a:pPr>
+              <a:buFont typeface="Arial"/>
+              <a:buChar char="•"/>
+            </a:pPr>
+            <a:r>
+              <a:rPr lang="en-US" sz="2400" dirty="0" smtClean="0"/>
+              <a:t>Mutually important variables: </a:t>
+            </a:r>
+          </a:p>
+          <a:p>
+            <a:pPr lvl="2">
+              <a:buFont typeface="Arial"/>
+              <a:buChar char="•"/>
+            </a:pPr>
+            <a:r>
+              <a:rPr lang="en-US" sz="2400" dirty="0"/>
+              <a:t> </a:t>
+            </a:r>
+            <a:r>
+              <a:rPr lang="en-US" sz="2400" dirty="0" smtClean="0"/>
+              <a:t>number of visits</a:t>
+            </a:r>
+          </a:p>
+          <a:p>
+            <a:pPr lvl="2">
+              <a:buFont typeface="Arial"/>
+              <a:buChar char="•"/>
+            </a:pPr>
+            <a:r>
+              <a:rPr lang="en-US" sz="2400" dirty="0"/>
+              <a:t> </a:t>
+            </a:r>
+            <a:r>
+              <a:rPr lang="en-US" sz="2400" dirty="0" smtClean="0"/>
+              <a:t>number of inpatient visits</a:t>
+            </a:r>
+          </a:p>
+          <a:p>
+            <a:pPr lvl="2">
+              <a:buFont typeface="Arial"/>
+              <a:buChar char="•"/>
+            </a:pPr>
+            <a:r>
+              <a:rPr lang="en-US" sz="2400" dirty="0"/>
+              <a:t> </a:t>
+            </a:r>
+            <a:r>
+              <a:rPr lang="en-US" sz="2400" dirty="0" smtClean="0"/>
+              <a:t>discharge disposition IDs 3 and 22</a:t>
+            </a:r>
+          </a:p>
+          <a:p>
+            <a:pPr lvl="2">
+              <a:buFont typeface="Arial"/>
+              <a:buChar char="•"/>
+            </a:pPr>
+            <a:r>
+              <a:rPr lang="en-US" sz="2400" dirty="0"/>
+              <a:t> </a:t>
+            </a:r>
+            <a:r>
+              <a:rPr lang="en-US" sz="2400" dirty="0" smtClean="0"/>
+              <a:t>age bracket 70-80 </a:t>
+            </a:r>
+          </a:p>
+          <a:p>
+            <a:pPr marL="237744" lvl="2" indent="0">
+              <a:buNone/>
+            </a:pPr>
+            <a:endParaRPr lang="en-US" sz="1000" dirty="0" smtClean="0"/>
+          </a:p>
+          <a:p>
+            <a:pPr>
+              <a:buFont typeface="Arial"/>
+              <a:buChar char="•"/>
+            </a:pPr>
+            <a:r>
+              <a:rPr lang="en-US" sz="2400" dirty="0" smtClean="0"/>
+              <a:t>Neither chose HbA1c as a top predictor. </a:t>
+            </a:r>
+          </a:p>
+          <a:p>
+            <a:pPr marL="0" indent="0"/>
+            <a:endParaRPr lang="en-US" sz="1100" dirty="0" smtClean="0"/>
+          </a:p>
+          <a:p>
+            <a:pPr>
+              <a:buFont typeface="Arial"/>
+              <a:buChar char="•"/>
+            </a:pPr>
+            <a:r>
+              <a:rPr lang="en-US" sz="2400" dirty="0" smtClean="0"/>
+              <a:t>Random forest is likely the better model.</a:t>
+            </a:r>
+          </a:p>
+          <a:p>
+            <a:pPr lvl="2">
+              <a:buFont typeface="Arial"/>
+              <a:buChar char="•"/>
+            </a:pPr>
+            <a:r>
+              <a:rPr lang="en-US" sz="2400" dirty="0" smtClean="0"/>
+              <a:t> better performance metrics</a:t>
+            </a:r>
+          </a:p>
+          <a:p>
+            <a:pPr lvl="2">
+              <a:buFont typeface="Arial"/>
+              <a:buChar char="•"/>
+            </a:pPr>
+            <a:r>
+              <a:rPr lang="en-US" sz="2400" dirty="0" smtClean="0"/>
+              <a:t> may handle continuous variables better</a:t>
+            </a:r>
+          </a:p>
+          <a:p>
+            <a:pPr lvl="2">
+              <a:buFont typeface="Arial"/>
+              <a:buChar char="•"/>
+            </a:pPr>
+            <a:r>
+              <a:rPr lang="en-US" sz="2400" dirty="0" smtClean="0"/>
+              <a:t> benefits of ensemble approach</a:t>
+            </a:r>
+            <a:endParaRPr lang="en-US" sz="2400" dirty="0"/>
+          </a:p>
+        </p:txBody>
+      </p:sp>
+    </p:spTree>
+    <p:extLst>
+      <p:ext uri="{BB962C8B-B14F-4D97-AF65-F5344CB8AC3E}">
+        <p14:creationId xmlns:p14="http://schemas.microsoft.com/office/powerpoint/2010/main" val="318630853"/>
+      </p:ext>
+    </p:extLst>
+  </p:cSld>
+  <p:clrMapOvr>
+    <a:masterClrMapping/>
+  </p:clrMapOvr>
+</p:sld>
+</file>
+
+<file path=ppt/slides/slide22.xml><?xml version="1.0" encoding="utf-8"?>
+<p:sld xmlns:a="http://schemas.openxmlformats.org/drawingml/2006/main" xmlns:r="http://schemas.openxmlformats.org/officeDocument/2006/relationships" xmlns:p="http://schemas.openxmlformats.org/presentationml/2006/main">
+  <p:cSld>
+    <p:spTree>
+      <p:nvGrpSpPr>
+        <p:cNvPr id="1" name=""/>
+        <p:cNvGrpSpPr/>
+        <p:nvPr/>
+      </p:nvGrpSpPr>
+      <p:grpSpPr>
+        <a:xfrm>
+          <a:off x="0" y="0"/>
+          <a:ext cx="0" cy="0"/>
+          <a:chOff x="0" y="0"/>
+          <a:chExt cx="0" cy="0"/>
+        </a:xfrm>
+      </p:grpSpPr>
+      <p:sp>
+        <p:nvSpPr>
+          <p:cNvPr id="2" name="Title 1"/>
+          <p:cNvSpPr>
+            <a:spLocks noGrp="1"/>
+          </p:cNvSpPr>
+          <p:nvPr>
+            <p:ph type="title"/>
+          </p:nvPr>
+        </p:nvSpPr>
+        <p:spPr/>
+        <p:txBody>
+          <a:bodyPr/>
+          <a:lstStyle/>
+          <a:p>
+            <a:pPr algn="ctr"/>
+            <a:r>
+              <a:rPr lang="en-US" dirty="0" smtClean="0"/>
+              <a:t>Checking imbalance corrections for random forest</a:t>
+            </a:r>
+            <a:endParaRPr lang="en-US" dirty="0"/>
+          </a:p>
+        </p:txBody>
+      </p:sp>
+      <p:pic>
+        <p:nvPicPr>
+          <p:cNvPr id="4" name="Picture 3" descr="Macintosh HD:Users:alex:Desktop:Screen Shot 2017-09-20 at 8.34.38 PM.png"/>
+          <p:cNvPicPr/>
+          <p:nvPr/>
+        </p:nvPicPr>
+        <p:blipFill>
+          <a:blip r:embed="rId2">
+            <a:extLst>
+              <a:ext uri="{28A0092B-C50C-407E-A947-70E740481C1C}">
+                <a14:useLocalDpi xmlns:a14="http://schemas.microsoft.com/office/drawing/2010/main" val="0"/>
+              </a:ext>
+            </a:extLst>
+          </a:blip>
+          <a:srcRect/>
+          <a:stretch>
+            <a:fillRect/>
+          </a:stretch>
+        </p:blipFill>
+        <p:spPr bwMode="auto">
+          <a:xfrm>
+            <a:off x="1680726" y="1345600"/>
+            <a:ext cx="5794661" cy="4181205"/>
+          </a:xfrm>
+          <a:prstGeom prst="rect">
+            <a:avLst/>
+          </a:prstGeom>
+          <a:noFill/>
+          <a:ln>
+            <a:noFill/>
+          </a:ln>
+        </p:spPr>
+      </p:pic>
+    </p:spTree>
+    <p:extLst>
+      <p:ext uri="{BB962C8B-B14F-4D97-AF65-F5344CB8AC3E}">
+        <p14:creationId xmlns:p14="http://schemas.microsoft.com/office/powerpoint/2010/main" val="2808689904"/>
+      </p:ext>
+    </p:extLst>
+  </p:cSld>
+  <p:clrMapOvr>
+    <a:masterClrMapping/>
+  </p:clrMapOvr>
+</p:sld>
+</file>
+
+<file path=ppt/slides/slide23.xml><?xml version="1.0" encoding="utf-8"?>
+<p:sld xmlns:a="http://schemas.openxmlformats.org/drawingml/2006/main" xmlns:r="http://schemas.openxmlformats.org/officeDocument/2006/relationships" xmlns:p="http://schemas.openxmlformats.org/presentationml/2006/main">
+  <p:cSld>
+    <p:spTree>
+      <p:nvGrpSpPr>
+        <p:cNvPr id="1" name=""/>
+        <p:cNvGrpSpPr/>
+        <p:nvPr/>
+      </p:nvGrpSpPr>
+      <p:grpSpPr>
+        <a:xfrm>
+          <a:off x="0" y="0"/>
+          <a:ext cx="0" cy="0"/>
+          <a:chOff x="0" y="0"/>
+          <a:chExt cx="0" cy="0"/>
+        </a:xfrm>
+      </p:grpSpPr>
+      <p:sp>
+        <p:nvSpPr>
+          <p:cNvPr id="2" name="Title 1"/>
+          <p:cNvSpPr>
+            <a:spLocks noGrp="1"/>
+          </p:cNvSpPr>
+          <p:nvPr>
+            <p:ph type="title"/>
+          </p:nvPr>
+        </p:nvSpPr>
+        <p:spPr/>
+        <p:txBody>
+          <a:bodyPr/>
+          <a:lstStyle/>
+          <a:p>
+            <a:pPr algn="ctr"/>
+            <a:r>
+              <a:rPr lang="en-US" dirty="0" smtClean="0"/>
+              <a:t>Summary and future work</a:t>
+            </a:r>
+            <a:endParaRPr lang="en-US" dirty="0"/>
+          </a:p>
+        </p:txBody>
+      </p:sp>
+      <p:sp>
+        <p:nvSpPr>
+          <p:cNvPr id="3" name="Content Placeholder 2"/>
+          <p:cNvSpPr>
+            <a:spLocks noGrp="1"/>
+          </p:cNvSpPr>
+          <p:nvPr>
+            <p:ph idx="1"/>
+          </p:nvPr>
+        </p:nvSpPr>
+        <p:spPr>
+          <a:xfrm>
+            <a:off x="822960" y="1100628"/>
+            <a:ext cx="7520940" cy="3820104"/>
+          </a:xfrm>
+        </p:spPr>
+        <p:txBody>
+          <a:bodyPr>
+            <a:normAutofit/>
+          </a:bodyPr>
+          <a:lstStyle/>
+          <a:p>
+            <a:pPr>
+              <a:buFont typeface="Arial"/>
+              <a:buChar char="•"/>
+            </a:pPr>
+            <a:r>
+              <a:rPr lang="en-US" sz="2400" dirty="0" smtClean="0"/>
+              <a:t>Logistic regression</a:t>
+            </a:r>
+          </a:p>
+          <a:p>
+            <a:pPr lvl="2">
+              <a:buFont typeface="Arial"/>
+              <a:buChar char="•"/>
+            </a:pPr>
+            <a:r>
+              <a:rPr lang="en-US" sz="2400" dirty="0" smtClean="0"/>
+              <a:t>Transform continuous variables for more normal distributions </a:t>
+            </a:r>
+          </a:p>
+          <a:p>
+            <a:pPr marL="237744" lvl="2" indent="0">
+              <a:buNone/>
+            </a:pPr>
+            <a:endParaRPr lang="en-US" sz="1100" dirty="0" smtClean="0"/>
+          </a:p>
+          <a:p>
+            <a:pPr>
+              <a:buFont typeface="Arial"/>
+              <a:buChar char="•"/>
+            </a:pPr>
+            <a:r>
+              <a:rPr lang="en-US" sz="2400" dirty="0" smtClean="0"/>
+              <a:t>Ensemble model</a:t>
+            </a:r>
+          </a:p>
+          <a:p>
+            <a:pPr lvl="2">
+              <a:buFont typeface="Arial"/>
+              <a:buChar char="•"/>
+            </a:pPr>
+            <a:r>
+              <a:rPr lang="en-US" sz="2400" dirty="0" smtClean="0"/>
+              <a:t>Combine logistic regression and random forest using predicted probabilities from each</a:t>
+            </a:r>
+          </a:p>
+          <a:p>
+            <a:pPr marL="237744" lvl="2" indent="0">
+              <a:buNone/>
+            </a:pPr>
+            <a:endParaRPr lang="en-US" sz="1100" dirty="0" smtClean="0"/>
+          </a:p>
+          <a:p>
+            <a:pPr>
+              <a:buFont typeface="Arial"/>
+              <a:buChar char="•"/>
+            </a:pPr>
+            <a:r>
+              <a:rPr lang="en-US" sz="2400" dirty="0" smtClean="0"/>
+              <a:t>Interaction terms used by original researchers</a:t>
+            </a:r>
+          </a:p>
+          <a:p>
+            <a:pPr lvl="2">
+              <a:buFont typeface="Arial"/>
+              <a:buChar char="•"/>
+            </a:pPr>
+            <a:r>
+              <a:rPr lang="en-US" sz="2400" dirty="0" smtClean="0"/>
+              <a:t> Especially with HbA1c and primary diagnosis</a:t>
+            </a:r>
+            <a:endParaRPr lang="en-US" sz="2400" dirty="0"/>
+          </a:p>
+        </p:txBody>
+      </p:sp>
+    </p:spTree>
+    <p:extLst>
+      <p:ext uri="{BB962C8B-B14F-4D97-AF65-F5344CB8AC3E}">
+        <p14:creationId xmlns:p14="http://schemas.microsoft.com/office/powerpoint/2010/main" val="3993885660"/>
+      </p:ext>
+    </p:extLst>
+  </p:cSld>
+  <p:clrMapOvr>
+    <a:masterClrMapping/>
+  </p:clrMapOvr>
+</p:sld>
+</file>
+
+<file path=ppt/slides/slide24.xml><?xml version="1.0" encoding="utf-8"?>
+<p:sld xmlns:a="http://schemas.openxmlformats.org/drawingml/2006/main" xmlns:r="http://schemas.openxmlformats.org/officeDocument/2006/relationships" xmlns:p="http://schemas.openxmlformats.org/presentationml/2006/main">
+  <p:cSld>
+    <p:spTree>
+      <p:nvGrpSpPr>
+        <p:cNvPr id="1" name=""/>
+        <p:cNvGrpSpPr/>
+        <p:nvPr/>
+      </p:nvGrpSpPr>
+      <p:grpSpPr>
+        <a:xfrm>
+          <a:off x="0" y="0"/>
+          <a:ext cx="0" cy="0"/>
+          <a:chOff x="0" y="0"/>
+          <a:chExt cx="0" cy="0"/>
+        </a:xfrm>
+      </p:grpSpPr>
+      <p:sp>
+        <p:nvSpPr>
+          <p:cNvPr id="2" name="Title 1"/>
+          <p:cNvSpPr>
+            <a:spLocks noGrp="1"/>
+          </p:cNvSpPr>
+          <p:nvPr>
+            <p:ph type="title"/>
+          </p:nvPr>
+        </p:nvSpPr>
+        <p:spPr/>
+        <p:txBody>
+          <a:bodyPr/>
+          <a:lstStyle/>
+          <a:p>
+            <a:pPr algn="ctr"/>
+            <a:r>
+              <a:rPr lang="en-US" dirty="0" smtClean="0"/>
+              <a:t>recommendations</a:t>
+            </a:r>
+            <a:endParaRPr lang="en-US" dirty="0"/>
+          </a:p>
+        </p:txBody>
+      </p:sp>
+      <p:sp>
+        <p:nvSpPr>
+          <p:cNvPr id="3" name="Content Placeholder 2"/>
+          <p:cNvSpPr>
+            <a:spLocks noGrp="1"/>
+          </p:cNvSpPr>
+          <p:nvPr>
+            <p:ph idx="1"/>
+          </p:nvPr>
+        </p:nvSpPr>
+        <p:spPr/>
+        <p:txBody>
+          <a:bodyPr>
+            <a:normAutofit/>
+          </a:bodyPr>
+          <a:lstStyle/>
+          <a:p>
+            <a:pPr>
+              <a:buFont typeface="Arial"/>
+              <a:buChar char="•"/>
+            </a:pPr>
+            <a:r>
+              <a:rPr lang="en-US" sz="2400" dirty="0" smtClean="0"/>
+              <a:t>HbA1c is a predictor of not being readmitted within 30 days, but it does not have as much predictive value as other variables do. </a:t>
+            </a:r>
+          </a:p>
+          <a:p>
+            <a:pPr marL="0" indent="0"/>
+            <a:endParaRPr lang="en-US" sz="1000" dirty="0" smtClean="0"/>
+          </a:p>
+          <a:p>
+            <a:pPr>
+              <a:buFont typeface="Arial"/>
+              <a:buChar char="•"/>
+            </a:pPr>
+            <a:r>
+              <a:rPr lang="en-US" sz="2400" dirty="0" smtClean="0"/>
+              <a:t>Closely monitor </a:t>
+            </a:r>
+            <a:r>
+              <a:rPr lang="en-US" sz="2400" dirty="0"/>
+              <a:t>p</a:t>
+            </a:r>
+            <a:r>
+              <a:rPr lang="en-US" sz="2400" dirty="0" smtClean="0"/>
+              <a:t>revious number of patient visits and inpatient visits</a:t>
+            </a:r>
+          </a:p>
+          <a:p>
+            <a:pPr marL="0" indent="0"/>
+            <a:endParaRPr lang="en-US" sz="1000" dirty="0" smtClean="0"/>
+          </a:p>
+          <a:p>
+            <a:pPr>
+              <a:buFont typeface="Arial"/>
+              <a:buChar char="•"/>
+            </a:pPr>
+            <a:r>
+              <a:rPr lang="en-US" sz="2400" dirty="0" smtClean="0"/>
+              <a:t>Learn more about discharge disposition IDs (what the numbers indicate).</a:t>
+            </a:r>
+            <a:endParaRPr lang="en-US" sz="2400" dirty="0"/>
+          </a:p>
+        </p:txBody>
+      </p:sp>
+    </p:spTree>
+    <p:extLst>
+      <p:ext uri="{BB962C8B-B14F-4D97-AF65-F5344CB8AC3E}">
+        <p14:creationId xmlns:p14="http://schemas.microsoft.com/office/powerpoint/2010/main" val="1093968734"/>
+      </p:ext>
+    </p:extLst>
+  </p:cSld>
+  <p:clrMapOvr>
+    <a:masterClrMapping/>
+  </p:clrMapOvr>
+</p:sld>
+</file>
+
+<file path=ppt/slides/slide25.xml><?xml version="1.0" encoding="utf-8"?>
+<p:sld xmlns:a="http://schemas.openxmlformats.org/drawingml/2006/main" xmlns:r="http://schemas.openxmlformats.org/officeDocument/2006/relationships" xmlns:p="http://schemas.openxmlformats.org/presentationml/2006/main">
+  <p:cSld>
+    <p:spTree>
+      <p:nvGrpSpPr>
+        <p:cNvPr id="1" name=""/>
+        <p:cNvGrpSpPr/>
+        <p:nvPr/>
+      </p:nvGrpSpPr>
+      <p:grpSpPr>
+        <a:xfrm>
+          <a:off x="0" y="0"/>
+          <a:ext cx="0" cy="0"/>
+          <a:chOff x="0" y="0"/>
+          <a:chExt cx="0" cy="0"/>
+        </a:xfrm>
+      </p:grpSpPr>
+      <p:sp>
+        <p:nvSpPr>
+          <p:cNvPr id="2" name="Title 1"/>
+          <p:cNvSpPr>
+            <a:spLocks noGrp="1"/>
+          </p:cNvSpPr>
+          <p:nvPr>
+            <p:ph type="title"/>
+          </p:nvPr>
+        </p:nvSpPr>
+        <p:spPr/>
+        <p:txBody>
+          <a:bodyPr/>
+          <a:lstStyle/>
+          <a:p>
+            <a:pPr algn="ctr"/>
+            <a:r>
+              <a:rPr lang="en-US" dirty="0" smtClean="0"/>
+              <a:t>references</a:t>
+            </a:r>
+            <a:endParaRPr lang="en-US" dirty="0"/>
+          </a:p>
+        </p:txBody>
+      </p:sp>
+      <p:sp>
+        <p:nvSpPr>
+          <p:cNvPr id="3" name="Content Placeholder 2"/>
+          <p:cNvSpPr>
+            <a:spLocks noGrp="1"/>
+          </p:cNvSpPr>
+          <p:nvPr>
+            <p:ph idx="1"/>
+          </p:nvPr>
+        </p:nvSpPr>
+        <p:spPr>
+          <a:xfrm>
+            <a:off x="404075" y="1100628"/>
+            <a:ext cx="8269106" cy="4195292"/>
+          </a:xfrm>
+        </p:spPr>
+        <p:txBody>
+          <a:bodyPr>
+            <a:noAutofit/>
+          </a:bodyPr>
+          <a:lstStyle/>
+          <a:p>
+            <a:pPr lvl="0"/>
+            <a:r>
+              <a:rPr lang="en-US" sz="1400" dirty="0" smtClean="0"/>
+              <a:t>1. Beata </a:t>
+            </a:r>
+            <a:r>
+              <a:rPr lang="en-US" sz="1400" dirty="0"/>
+              <a:t>Strack, Jonathan P. DeShazo, Chris Gennings, Juan L. Olmo, Sebastian Ventura, Krzysztof J. Cios, and John N. Clore, “Impact of HbA1c Measurement on Hospital Readmission Rates: Analysis of 70,000 Clinical Database Patient Records,” BioMed Research International, vol. 2014, Article ID 781670, 11 pages, 2014. </a:t>
+            </a:r>
+          </a:p>
+          <a:p>
+            <a:r>
+              <a:rPr lang="en-US" sz="1000" dirty="0"/>
+              <a:t> </a:t>
+            </a:r>
+            <a:r>
+              <a:rPr lang="en-US" sz="1000" dirty="0" smtClean="0"/>
+              <a:t>    </a:t>
+            </a:r>
+            <a:r>
+              <a:rPr lang="en-US" sz="1400" dirty="0" smtClean="0"/>
+              <a:t> </a:t>
+            </a:r>
+            <a:endParaRPr lang="en-US" sz="1400" dirty="0"/>
+          </a:p>
+          <a:p>
+            <a:pPr lvl="0"/>
+            <a:r>
+              <a:rPr lang="en-US" sz="1400" dirty="0" smtClean="0"/>
+              <a:t>2. This </a:t>
+            </a:r>
+            <a:r>
+              <a:rPr lang="en-US" sz="1400" dirty="0"/>
+              <a:t>data set was obtained from a previous study done to explore a similar problem. It included about 102,000 observations and 50 variables. More information is available here: </a:t>
+            </a:r>
+            <a:r>
+              <a:rPr lang="en-US" sz="1400" u="sng" dirty="0">
+                <a:hlinkClick r:id="rId2"/>
+              </a:rPr>
+              <a:t>http://archive.ics.uci.edu/ml/datasets/Diabetes+130-US+hospitals+for+years+1999-2008</a:t>
+            </a:r>
+            <a:r>
+              <a:rPr lang="en-US" sz="1400" dirty="0"/>
+              <a:t>.</a:t>
+            </a:r>
+          </a:p>
+          <a:p>
+            <a:r>
+              <a:rPr lang="en-US" sz="1400" dirty="0"/>
+              <a:t> </a:t>
+            </a:r>
+          </a:p>
+          <a:p>
+            <a:pPr lvl="0"/>
+            <a:r>
+              <a:rPr lang="en-US" sz="1400" dirty="0" smtClean="0"/>
+              <a:t>3. @</a:t>
+            </a:r>
+            <a:r>
+              <a:rPr lang="en-US" sz="1400" dirty="0"/>
+              <a:t>article{JMLR:v18:16-365, author  = {Guillaume  Lema{{\^i}}tre and Fernando Nogueira and Christos K. Aridas}, title   = {Imbalanced-learn: A Python Toolbox to Tackle the Curse of Imbalanced Datasets in Machine Learning}, journal = {Journal of Machine Learning Research}, year    = {2017}, volume  = {18}, number  = {17}, pages   = {1-5}, url     = {http://jmlr.org/papers/v18/16-365.html} }</a:t>
+            </a:r>
+          </a:p>
+          <a:p>
+            <a:r>
+              <a:rPr lang="en-US" sz="1400" dirty="0"/>
+              <a:t> </a:t>
+            </a:r>
+          </a:p>
+          <a:p>
+            <a:r>
+              <a:rPr lang="en-US" sz="1400" dirty="0" smtClean="0"/>
+              <a:t>4. @</a:t>
+            </a:r>
+            <a:r>
+              <a:rPr lang="en-US" sz="1400" dirty="0"/>
+              <a:t>article{scikit-learn,  title={Scikit-learn: Machine Learning in {P}ython},  author={Pedregosa, F. and Varoquaux, G. and Gramfort, A. and Michel, V.          and Thirion, B. and Grisel, O. and Blondel, M. and Prettenhofer, P.          and Weiss, R. and Dubourg, V. and Vanderplas, J. and Passos, A. and          Cournapeau, D. and Brucher, M. and Perrot, M. and Duchesnay, E.},  journal={Journal of Machine Learning Research},  volume={12},  pages={2825--2830},  year={2011} }</a:t>
+            </a:r>
+            <a:r>
+              <a:rPr lang="en-US" sz="1400" dirty="0"/>
+              <a:t> </a:t>
+            </a:r>
+          </a:p>
+        </p:txBody>
+      </p:sp>
+    </p:spTree>
+    <p:extLst>
+      <p:ext uri="{BB962C8B-B14F-4D97-AF65-F5344CB8AC3E}">
+        <p14:creationId xmlns:p14="http://schemas.microsoft.com/office/powerpoint/2010/main" val="334096403"/>
+      </p:ext>
+    </p:extLst>
+  </p:cSld>
+  <p:clrMapOvr>
+    <a:masterClrMapping/>
+  </p:clrMapOvr>
 </p:sld>
 </file>
 
@@ -6501,7 +9405,7 @@
                         </a:spcAft>
                       </a:pPr>
                       <a:r>
-                        <a:rPr lang="en-US" sz="1800" b="0" dirty="0" err="1" smtClean="0">
+                        <a:rPr lang="en-US" sz="1800" b="0" dirty="0" smtClean="0">
                           <a:effectLst/>
                         </a:rPr>
                         <a:t>HbAlc</a:t>

--- a/diabetes_readmission/CP1_deck.pptx
+++ b/diabetes_readmission/CP1_deck.pptx
@@ -4968,7 +4968,7 @@
             </a:pPr>
             <a:r>
               <a:rPr lang="en-US" sz="2400" dirty="0" smtClean="0"/>
-              <a:t>Bin number of lab procedures</a:t>
+              <a:t>Bin the number of lab procedures</a:t>
             </a:r>
           </a:p>
           <a:p>
@@ -5071,7 +5071,7 @@
             <a:pPr algn="ctr"/>
             <a:r>
               <a:rPr lang="en-US" dirty="0" smtClean="0"/>
-              <a:t>Logistic regression: Choices</a:t>
+              <a:t>Logistic regression</a:t>
             </a:r>
             <a:endParaRPr lang="en-US" dirty="0"/>
           </a:p>
@@ -5474,7 +5474,7 @@
             </a:pPr>
             <a:r>
               <a:rPr lang="en-US" sz="2400" dirty="0" smtClean="0"/>
-              <a:t>Tradeoff in global accuracy (72.8% for training and 72.5% for test) for improved precision and recall</a:t>
+              <a:t>Tradeoff: reduced global accuracy (72.8% for training and 72.5% for test) for improved precision and recall</a:t>
             </a:r>
             <a:endParaRPr lang="en-US" sz="2400" dirty="0"/>
           </a:p>
@@ -6045,7 +6045,7 @@
           <p:nvPr>
             <p:extLst>
               <p:ext uri="{D42A27DB-BD31-4B8C-83A1-F6EECF244321}">
-                <p14:modId xmlns:p14="http://schemas.microsoft.com/office/powerpoint/2010/main" val="1725474001"/>
+                <p14:modId xmlns:p14="http://schemas.microsoft.com/office/powerpoint/2010/main" val="3114147316"/>
               </p:ext>
             </p:extLst>
           </p:nvPr>
@@ -6148,7 +6148,7 @@
                     <a:bodyPr/>
                     <a:lstStyle/>
                     <a:p>
-                      <a:pPr marL="0" marR="0" algn="ctr">
+                      <a:pPr marL="0" marR="0" algn="l">
                         <a:lnSpc>
                           <a:spcPct val="150000"/>
                         </a:lnSpc>
@@ -6183,7 +6183,7 @@
                     <a:bodyPr/>
                     <a:lstStyle/>
                     <a:p>
-                      <a:pPr marL="0" marR="0" algn="ctr">
+                      <a:pPr marL="0" marR="0" algn="l">
                         <a:lnSpc>
                           <a:spcPct val="150000"/>
                         </a:lnSpc>
@@ -6220,7 +6220,7 @@
                     <a:bodyPr/>
                     <a:lstStyle/>
                     <a:p>
-                      <a:pPr marL="0" marR="0" algn="ctr">
+                      <a:pPr marL="0" marR="0" algn="l">
                         <a:lnSpc>
                           <a:spcPct val="150000"/>
                         </a:lnSpc>
@@ -6255,7 +6255,7 @@
                     <a:bodyPr/>
                     <a:lstStyle/>
                     <a:p>
-                      <a:pPr marL="0" marR="0" algn="ctr">
+                      <a:pPr marL="0" marR="0" algn="l">
                         <a:lnSpc>
                           <a:spcPct val="150000"/>
                         </a:lnSpc>
@@ -6292,7 +6292,7 @@
                     <a:bodyPr/>
                     <a:lstStyle/>
                     <a:p>
-                      <a:pPr marL="0" marR="0" algn="ctr">
+                      <a:pPr marL="0" marR="0" algn="l">
                         <a:lnSpc>
                           <a:spcPct val="150000"/>
                         </a:lnSpc>
@@ -6327,7 +6327,7 @@
                     <a:bodyPr/>
                     <a:lstStyle/>
                     <a:p>
-                      <a:pPr marL="0" marR="0" algn="ctr">
+                      <a:pPr marL="0" marR="0" algn="l">
                         <a:lnSpc>
                           <a:spcPct val="150000"/>
                         </a:lnSpc>
@@ -6364,7 +6364,7 @@
                     <a:bodyPr/>
                     <a:lstStyle/>
                     <a:p>
-                      <a:pPr marL="0" marR="0" algn="ctr">
+                      <a:pPr marL="0" marR="0" algn="l">
                         <a:lnSpc>
                           <a:spcPct val="150000"/>
                         </a:lnSpc>
@@ -6399,7 +6399,7 @@
                     <a:bodyPr/>
                     <a:lstStyle/>
                     <a:p>
-                      <a:pPr marL="0" marR="0" algn="ctr">
+                      <a:pPr marL="0" marR="0" algn="l">
                         <a:lnSpc>
                           <a:spcPct val="150000"/>
                         </a:lnSpc>
@@ -6436,7 +6436,7 @@
                     <a:bodyPr/>
                     <a:lstStyle/>
                     <a:p>
-                      <a:pPr marL="0" marR="0" algn="ctr">
+                      <a:pPr marL="0" marR="0" algn="l">
                         <a:lnSpc>
                           <a:spcPct val="150000"/>
                         </a:lnSpc>
@@ -6471,7 +6471,7 @@
                     <a:bodyPr/>
                     <a:lstStyle/>
                     <a:p>
-                      <a:pPr marL="0" marR="0" algn="ctr">
+                      <a:pPr marL="0" marR="0" algn="l">
                         <a:lnSpc>
                           <a:spcPct val="150000"/>
                         </a:lnSpc>
@@ -6681,7 +6681,7 @@
             </a:r>
             <a:r>
               <a:rPr lang="en-US" sz="2400" dirty="0" smtClean="0"/>
-              <a:t>data</a:t>
+              <a:t>data.</a:t>
             </a:r>
           </a:p>
           <a:p>
@@ -8365,7 +8365,7 @@
             </a:r>
             <a:r>
               <a:rPr lang="en-US" sz="2400" dirty="0" smtClean="0"/>
-              <a:t>revious number of patient visits and inpatient visits</a:t>
+              <a:t>revious number of patient visits and inpatient visits.</a:t>
             </a:r>
           </a:p>
           <a:p>
@@ -8796,7 +8796,7 @@
             </a:pPr>
             <a:r>
               <a:rPr lang="en-US" sz="2400" dirty="0" smtClean="0"/>
-              <a:t>ID variables (no predictive value)</a:t>
+              <a:t>ID variables also dropped (no predictive value)</a:t>
             </a:r>
           </a:p>
           <a:p>
@@ -8923,7 +8923,7 @@
             </a:pPr>
             <a:r>
               <a:rPr lang="en-US" sz="2400" dirty="0" smtClean="0"/>
-              <a:t>Group diagnosis codes</a:t>
+              <a:t>Grouping of diagnosis codes</a:t>
             </a:r>
             <a:endParaRPr lang="en-US" sz="2400" dirty="0" smtClean="0"/>
           </a:p>
@@ -9185,7 +9185,7 @@
         <p:spPr>
           <a:xfrm>
             <a:off x="563197" y="1100628"/>
-            <a:ext cx="8052259" cy="486705"/>
+            <a:ext cx="8369746" cy="486705"/>
           </a:xfrm>
         </p:spPr>
         <p:txBody>
@@ -9197,7 +9197,7 @@
             <a:pPr marL="0" indent="0" algn="ctr"/>
             <a:r>
               <a:rPr lang="en-US" sz="2400" dirty="0" smtClean="0"/>
-              <a:t>Multicollinearity likely not an issue for key predictor variables. </a:t>
+              <a:t>Multicollinearity is likely not an issue for key predictor variables. </a:t>
             </a:r>
           </a:p>
         </p:txBody>
@@ -9366,13 +9366,13 @@
           <p:nvPr>
             <p:extLst>
               <p:ext uri="{D42A27DB-BD31-4B8C-83A1-F6EECF244321}">
-                <p14:modId xmlns:p14="http://schemas.microsoft.com/office/powerpoint/2010/main" val="3694062475"/>
+                <p14:modId xmlns:p14="http://schemas.microsoft.com/office/powerpoint/2010/main" val="1776801675"/>
               </p:ext>
             </p:extLst>
           </p:nvPr>
         </p:nvGraphicFramePr>
         <p:xfrm>
-          <a:off x="2043524" y="2052578"/>
+          <a:off x="2043524" y="2384475"/>
           <a:ext cx="5072824" cy="2336991"/>
         </p:xfrm>
         <a:graphic>
@@ -10335,7 +10335,7 @@
             <a:pPr marL="0" indent="0" algn="ctr"/>
             <a:r>
               <a:rPr lang="en-US" sz="2400" dirty="0" smtClean="0"/>
-              <a:t>Chi-square test for independence</a:t>
+              <a:t>Chi-square test for independence between HbA1c test and dependent variable. </a:t>
             </a:r>
             <a:endParaRPr lang="en-US" sz="2400" dirty="0" smtClean="0"/>
           </a:p>
